--- a/Proxecto.pptx
+++ b/Proxecto.pptx
@@ -5,10 +5,10 @@
     <p:sldMasterId id="2147483648" r:id="rId4"/>
   </p:sldMasterIdLst>
   <p:notesMasterIdLst>
-    <p:notesMasterId r:id="rId18"/>
+    <p:notesMasterId r:id="rId19"/>
   </p:notesMasterIdLst>
   <p:handoutMasterIdLst>
-    <p:handoutMasterId r:id="rId19"/>
+    <p:handoutMasterId r:id="rId20"/>
   </p:handoutMasterIdLst>
   <p:sldIdLst>
     <p:sldId id="256" r:id="rId5"/>
@@ -20,10 +20,11 @@
     <p:sldId id="271" r:id="rId11"/>
     <p:sldId id="263" r:id="rId12"/>
     <p:sldId id="265" r:id="rId13"/>
-    <p:sldId id="264" r:id="rId14"/>
-    <p:sldId id="273" r:id="rId15"/>
-    <p:sldId id="270" r:id="rId16"/>
-    <p:sldId id="272" r:id="rId17"/>
+    <p:sldId id="273" r:id="rId14"/>
+    <p:sldId id="264" r:id="rId15"/>
+    <p:sldId id="274" r:id="rId16"/>
+    <p:sldId id="270" r:id="rId17"/>
+    <p:sldId id="272" r:id="rId18"/>
   </p:sldIdLst>
   <p:sldSz cx="12192000" cy="6858000"/>
   <p:notesSz cx="6858000" cy="9144000"/>
@@ -245,7 +246,7 @@
             <a:pPr rtl="0"/>
             <a:fld id="{B2DE8700-0BDF-403F-9F9A-5A2655B7F876}" type="datetime1">
               <a:rPr lang="es-ES" smtClean="0"/>
-              <a:t>15/12/2023</a:t>
+              <a:t>17/12/2023</a:t>
             </a:fld>
             <a:endParaRPr lang="es-ES" dirty="0"/>
           </a:p>
@@ -427,7 +428,7 @@
             <a:fld id="{C2E8F3FE-BFE9-4821-91B4-1E371F0232E3}" type="datetime1">
               <a:rPr lang="es-ES" smtClean="0"/>
               <a:pPr/>
-              <a:t>15/12/2023</a:t>
+              <a:t>17/12/2023</a:t>
             </a:fld>
             <a:endParaRPr lang="es-ES" dirty="0"/>
           </a:p>
@@ -851,7 +852,7 @@
             <a:pPr rtl="0"/>
             <a:fld id="{79230CFA-805A-4FD3-B3A0-DAAA5993DA17}" type="slidenum">
               <a:rPr lang="es-ES" smtClean="0"/>
-              <a:t>10</a:t>
+              <a:t>11</a:t>
             </a:fld>
             <a:endParaRPr lang="es-ES" dirty="0"/>
           </a:p>
@@ -937,7 +938,7 @@
             <a:pPr rtl="0"/>
             <a:fld id="{79230CFA-805A-4FD3-B3A0-DAAA5993DA17}" type="slidenum">
               <a:rPr lang="es-ES" smtClean="0"/>
-              <a:t>12</a:t>
+              <a:t>13</a:t>
             </a:fld>
             <a:endParaRPr lang="es-ES" dirty="0"/>
           </a:p>
@@ -3519,9 +3520,10 @@
           <a:p>
             <a:pPr rtl="0"/>
             <a:r>
-              <a:rPr lang="es-ES" noProof="0" dirty="0"/>
-              <a:t>Agregue un pie de página</a:t>
-            </a:r>
+              <a:rPr lang="es-ES" noProof="0" smtClean="0"/>
+              <a:t>Agregar un pie de página</a:t>
+            </a:r>
+            <a:endParaRPr lang="es-ES" noProof="0" dirty="0"/>
           </a:p>
         </p:txBody>
       </p:sp>
@@ -4128,9 +4130,10 @@
           <a:p>
             <a:pPr rtl="0"/>
             <a:r>
-              <a:rPr lang="es-ES" noProof="0" dirty="0"/>
-              <a:t>Agregue un pie de página</a:t>
-            </a:r>
+              <a:rPr lang="es-ES" noProof="0" smtClean="0"/>
+              <a:t>Agregar un pie de página</a:t>
+            </a:r>
+            <a:endParaRPr lang="es-ES" noProof="0" dirty="0"/>
           </a:p>
         </p:txBody>
       </p:sp>
@@ -4854,9 +4857,10 @@
           <a:p>
             <a:pPr rtl="0"/>
             <a:r>
-              <a:rPr lang="es-ES" noProof="0" dirty="0"/>
-              <a:t>Agregue un pie de página</a:t>
-            </a:r>
+              <a:rPr lang="es-ES" noProof="0" smtClean="0"/>
+              <a:t>Agregar un pie de página</a:t>
+            </a:r>
+            <a:endParaRPr lang="es-ES" noProof="0" dirty="0"/>
           </a:p>
         </p:txBody>
       </p:sp>
@@ -6605,9 +6609,10 @@
           <a:p>
             <a:pPr rtl="0"/>
             <a:r>
-              <a:rPr lang="es-ES" noProof="0" dirty="0"/>
-              <a:t>Agregue un pie de página</a:t>
-            </a:r>
+              <a:rPr lang="es-ES" noProof="0" smtClean="0"/>
+              <a:t>Agregar un pie de página</a:t>
+            </a:r>
+            <a:endParaRPr lang="es-ES" noProof="0" dirty="0"/>
           </a:p>
         </p:txBody>
       </p:sp>
@@ -7040,9 +7045,10 @@
           <a:p>
             <a:pPr rtl="0"/>
             <a:r>
-              <a:rPr lang="es-ES" noProof="0" dirty="0"/>
-              <a:t>Agregue un pie de página</a:t>
-            </a:r>
+              <a:rPr lang="es-ES" noProof="0" smtClean="0"/>
+              <a:t>Agregar un pie de página</a:t>
+            </a:r>
+            <a:endParaRPr lang="es-ES" noProof="0" dirty="0"/>
           </a:p>
         </p:txBody>
       </p:sp>
@@ -8533,9 +8539,10 @@
           <a:p>
             <a:pPr rtl="0"/>
             <a:r>
-              <a:rPr lang="es-ES" noProof="0" dirty="0"/>
+              <a:rPr lang="es-ES" noProof="0" smtClean="0"/>
               <a:t>Agregar un pie de página</a:t>
             </a:r>
+            <a:endParaRPr lang="es-ES" noProof="0" dirty="0"/>
           </a:p>
         </p:txBody>
       </p:sp>
@@ -9150,9 +9157,10 @@
           <a:p>
             <a:pPr rtl="0"/>
             <a:r>
-              <a:rPr lang="es-ES" noProof="0" dirty="0"/>
+              <a:rPr lang="es-ES" noProof="0" smtClean="0"/>
               <a:t>Agregar un pie de página</a:t>
             </a:r>
+            <a:endParaRPr lang="es-ES" noProof="0" dirty="0"/>
           </a:p>
         </p:txBody>
       </p:sp>
@@ -10052,9 +10060,10 @@
           <a:p>
             <a:pPr rtl="0"/>
             <a:r>
-              <a:rPr lang="es-ES" noProof="0" dirty="0"/>
-              <a:t>Agregue un pie de página</a:t>
-            </a:r>
+              <a:rPr lang="es-ES" noProof="0" smtClean="0"/>
+              <a:t>Agregar un pie de página</a:t>
+            </a:r>
+            <a:endParaRPr lang="es-ES" noProof="0" dirty="0"/>
           </a:p>
         </p:txBody>
       </p:sp>
@@ -10547,9 +10556,10 @@
           <a:p>
             <a:pPr rtl="0"/>
             <a:r>
-              <a:rPr lang="es-ES" noProof="0" dirty="0"/>
-              <a:t>Agregue un pie de página</a:t>
-            </a:r>
+              <a:rPr lang="es-ES" noProof="0" smtClean="0"/>
+              <a:t>Agregar un pie de página</a:t>
+            </a:r>
+            <a:endParaRPr lang="es-ES" noProof="0" dirty="0"/>
           </a:p>
         </p:txBody>
       </p:sp>
@@ -11211,9 +11221,10 @@
           <a:p>
             <a:pPr rtl="0"/>
             <a:r>
-              <a:rPr lang="es-ES" noProof="0" dirty="0"/>
-              <a:t>Agregue un pie de página</a:t>
-            </a:r>
+              <a:rPr lang="es-ES" noProof="0" smtClean="0"/>
+              <a:t>Agregar un pie de página</a:t>
+            </a:r>
+            <a:endParaRPr lang="es-ES" noProof="0" dirty="0"/>
           </a:p>
         </p:txBody>
       </p:sp>
@@ -13553,9 +13564,10 @@
           <a:p>
             <a:pPr rtl="0"/>
             <a:r>
-              <a:rPr lang="es-ES" noProof="0" dirty="0"/>
+              <a:rPr lang="es-ES" noProof="0" smtClean="0"/>
               <a:t>Agregar un pie de página</a:t>
             </a:r>
+            <a:endParaRPr lang="es-ES" noProof="0" dirty="0"/>
           </a:p>
         </p:txBody>
       </p:sp>
@@ -13674,7 +13686,7 @@
     <p:sldLayoutId id="2147483697" r:id="rId18"/>
     <p:sldLayoutId id="2147483674" r:id="rId19"/>
   </p:sldLayoutIdLst>
-  <p:hf hdr="0"/>
+  <p:hf hdr="0" ftr="0" dt="0"/>
   <p:txStyles>
     <p:titleStyle>
       <a:lvl1pPr algn="l" defTabSz="914400" rtl="0" eaLnBrk="1" latinLnBrk="0" hangingPunct="1">
@@ -14177,6 +14189,36 @@
           </a:prstGeom>
         </p:spPr>
       </p:pic>
+      <p:pic>
+        <p:nvPicPr>
+          <p:cNvPr id="6" name="Imagen 5"/>
+          <p:cNvPicPr>
+            <a:picLocks noChangeAspect="1"/>
+          </p:cNvPicPr>
+          <p:nvPr/>
+        </p:nvPicPr>
+        <p:blipFill>
+          <a:blip r:embed="rId4">
+            <a:extLst>
+              <a:ext uri="{28A0092B-C50C-407E-A947-70E740481C1C}">
+                <a14:useLocalDpi xmlns:a14="http://schemas.microsoft.com/office/drawing/2010/main" val="0"/>
+              </a:ext>
+            </a:extLst>
+          </a:blip>
+          <a:stretch>
+            <a:fillRect/>
+          </a:stretch>
+        </p:blipFill>
+        <p:spPr>
+          <a:xfrm>
+            <a:off x="4250715" y="5204190"/>
+            <a:ext cx="3169993" cy="1577610"/>
+          </a:xfrm>
+          <a:prstGeom prst="rect">
+            <a:avLst/>
+          </a:prstGeom>
+        </p:spPr>
+      </p:pic>
     </p:spTree>
     <p:extLst>
       <p:ext uri="{BB962C8B-B14F-4D97-AF65-F5344CB8AC3E}">
@@ -14216,13 +14258,179 @@
       </p:grpSpPr>
       <p:sp>
         <p:nvSpPr>
-          <p:cNvPr id="15" name="Marcador de texto 14">
-            <a:extLst>
-              <a:ext uri="{FF2B5EF4-FFF2-40B4-BE49-F238E27FC236}">
-                <a16:creationId xmlns:a16="http://schemas.microsoft.com/office/drawing/2014/main" id="{7A3FB895-3D21-4707-8EDE-3F825906DE41}"/>
-              </a:ext>
-            </a:extLst>
-          </p:cNvPr>
+          <p:cNvPr id="11" name="Rectángulo 10"/>
+          <p:cNvSpPr/>
+          <p:nvPr/>
+        </p:nvSpPr>
+        <p:spPr>
+          <a:xfrm>
+            <a:off x="5990492" y="4424857"/>
+            <a:ext cx="6065682" cy="1687698"/>
+          </a:xfrm>
+          <a:prstGeom prst="rect">
+            <a:avLst/>
+          </a:prstGeom>
+          <a:solidFill>
+            <a:srgbClr val="F5DE19"/>
+          </a:solidFill>
+        </p:spPr>
+        <p:style>
+          <a:lnRef idx="2">
+            <a:schemeClr val="accent1">
+              <a:shade val="50000"/>
+            </a:schemeClr>
+          </a:lnRef>
+          <a:fillRef idx="1">
+            <a:schemeClr val="accent1"/>
+          </a:fillRef>
+          <a:effectRef idx="0">
+            <a:schemeClr val="accent1"/>
+          </a:effectRef>
+          <a:fontRef idx="minor">
+            <a:schemeClr val="lt1"/>
+          </a:fontRef>
+        </p:style>
+        <p:txBody>
+          <a:bodyPr rtlCol="0" anchor="ctr"/>
+          <a:lstStyle/>
+          <a:p>
+            <a:pPr algn="ctr"/>
+            <a:endParaRPr lang="gl-ES"/>
+          </a:p>
+        </p:txBody>
+      </p:sp>
+      <p:sp>
+        <p:nvSpPr>
+          <p:cNvPr id="10" name="Rectángulo 9"/>
+          <p:cNvSpPr/>
+          <p:nvPr/>
+        </p:nvSpPr>
+        <p:spPr>
+          <a:xfrm>
+            <a:off x="1008185" y="2463188"/>
+            <a:ext cx="4054395" cy="977843"/>
+          </a:xfrm>
+          <a:prstGeom prst="rect">
+            <a:avLst/>
+          </a:prstGeom>
+          <a:solidFill>
+            <a:srgbClr val="407DAE"/>
+          </a:solidFill>
+        </p:spPr>
+        <p:style>
+          <a:lnRef idx="2">
+            <a:schemeClr val="accent1">
+              <a:shade val="50000"/>
+            </a:schemeClr>
+          </a:lnRef>
+          <a:fillRef idx="1">
+            <a:schemeClr val="accent1"/>
+          </a:fillRef>
+          <a:effectRef idx="0">
+            <a:schemeClr val="accent1"/>
+          </a:effectRef>
+          <a:fontRef idx="minor">
+            <a:schemeClr val="lt1"/>
+          </a:fontRef>
+        </p:style>
+        <p:txBody>
+          <a:bodyPr rtlCol="0" anchor="ctr"/>
+          <a:lstStyle/>
+          <a:p>
+            <a:pPr algn="ctr"/>
+            <a:endParaRPr lang="gl-ES"/>
+          </a:p>
+        </p:txBody>
+      </p:sp>
+      <p:sp>
+        <p:nvSpPr>
+          <p:cNvPr id="9" name="Rectángulo 8"/>
+          <p:cNvSpPr/>
+          <p:nvPr/>
+        </p:nvSpPr>
+        <p:spPr>
+          <a:xfrm>
+            <a:off x="1008185" y="4827664"/>
+            <a:ext cx="4009292" cy="940090"/>
+          </a:xfrm>
+          <a:prstGeom prst="rect">
+            <a:avLst/>
+          </a:prstGeom>
+          <a:solidFill>
+            <a:srgbClr val="407DAE"/>
+          </a:solidFill>
+        </p:spPr>
+        <p:style>
+          <a:lnRef idx="2">
+            <a:schemeClr val="accent1">
+              <a:shade val="50000"/>
+            </a:schemeClr>
+          </a:lnRef>
+          <a:fillRef idx="1">
+            <a:schemeClr val="accent1"/>
+          </a:fillRef>
+          <a:effectRef idx="0">
+            <a:schemeClr val="accent1"/>
+          </a:effectRef>
+          <a:fontRef idx="minor">
+            <a:schemeClr val="lt1"/>
+          </a:fontRef>
+        </p:style>
+        <p:txBody>
+          <a:bodyPr rtlCol="0" anchor="ctr"/>
+          <a:lstStyle/>
+          <a:p>
+            <a:pPr algn="ctr"/>
+            <a:endParaRPr lang="gl-ES"/>
+          </a:p>
+        </p:txBody>
+      </p:sp>
+      <p:sp>
+        <p:nvSpPr>
+          <p:cNvPr id="8" name="Rectángulo 7"/>
+          <p:cNvSpPr/>
+          <p:nvPr/>
+        </p:nvSpPr>
+        <p:spPr>
+          <a:xfrm>
+            <a:off x="6307015" y="3043469"/>
+            <a:ext cx="5111263" cy="369275"/>
+          </a:xfrm>
+          <a:prstGeom prst="rect">
+            <a:avLst/>
+          </a:prstGeom>
+          <a:solidFill>
+            <a:srgbClr val="F16529"/>
+          </a:solidFill>
+        </p:spPr>
+        <p:style>
+          <a:lnRef idx="2">
+            <a:schemeClr val="accent1">
+              <a:shade val="50000"/>
+            </a:schemeClr>
+          </a:lnRef>
+          <a:fillRef idx="1">
+            <a:schemeClr val="accent1"/>
+          </a:fillRef>
+          <a:effectRef idx="0">
+            <a:schemeClr val="accent1"/>
+          </a:effectRef>
+          <a:fontRef idx="minor">
+            <a:schemeClr val="lt1"/>
+          </a:fontRef>
+        </p:style>
+        <p:txBody>
+          <a:bodyPr rtlCol="0" anchor="ctr"/>
+          <a:lstStyle/>
+          <a:p>
+            <a:pPr algn="ctr"/>
+            <a:endParaRPr lang="gl-ES"/>
+          </a:p>
+        </p:txBody>
+      </p:sp>
+      <p:sp>
+        <p:nvSpPr>
+          <p:cNvPr id="2" name="Marcador de contenido 1"/>
           <p:cNvSpPr>
             <a:spLocks noGrp="1"/>
           </p:cNvSpPr>
@@ -14232,113 +14440,299 @@
         </p:nvSpPr>
         <p:spPr>
           <a:xfrm>
-            <a:off x="531379" y="2245262"/>
-            <a:ext cx="5876796" cy="3779631"/>
-          </a:xfrm>
-          <a:prstGeom prst="rect">
-            <a:avLst/>
-          </a:prstGeom>
-        </p:spPr>
-        <p:txBody>
-          <a:bodyPr rtlCol="0">
-            <a:noAutofit/>
+            <a:off x="92774" y="1653737"/>
+            <a:ext cx="5840114" cy="4686854"/>
+          </a:xfrm>
+        </p:spPr>
+        <p:txBody>
+          <a:bodyPr>
+            <a:normAutofit/>
           </a:bodyPr>
           <a:lstStyle/>
           <a:p>
-            <a:pPr>
-              <a:lnSpc>
-                <a:spcPct val="100000"/>
-              </a:lnSpc>
+            <a:r>
+              <a:rPr lang="es-ES" dirty="0" err="1" smtClean="0"/>
+              <a:t>Exemplo</a:t>
+            </a:r>
+            <a:r>
+              <a:rPr lang="es-ES" dirty="0" smtClean="0"/>
+              <a:t> de rutas no servidor </a:t>
+            </a:r>
+            <a:r>
+              <a:rPr lang="es-ES" dirty="0" err="1" smtClean="0"/>
+              <a:t>Flask</a:t>
+            </a:r>
+            <a:endParaRPr lang="es-ES" dirty="0"/>
+          </a:p>
+          <a:p>
+            <a:endParaRPr lang="es-ES" sz="2000" dirty="0" smtClean="0"/>
+          </a:p>
+          <a:p>
+            <a:pPr marL="457200" lvl="1" indent="0">
+              <a:buNone/>
             </a:pPr>
             <a:r>
-              <a:rPr lang="es-ES" sz="3600" dirty="0" err="1" smtClean="0"/>
-              <a:t>CanastraApp</a:t>
-            </a:r>
-            <a:endParaRPr lang="es-ES" sz="3600" dirty="0" smtClean="0"/>
-          </a:p>
-          <a:p>
-            <a:pPr lvl="1">
-              <a:lnSpc>
-                <a:spcPct val="100000"/>
-              </a:lnSpc>
+              <a:rPr lang="gl-ES" sz="1800" dirty="0" smtClean="0"/>
+              <a:t>	</a:t>
+            </a:r>
+            <a:r>
+              <a:rPr lang="gl-ES" sz="1800" dirty="0" smtClean="0">
+                <a:solidFill>
+                  <a:schemeClr val="bg1"/>
+                </a:solidFill>
+              </a:rPr>
+              <a:t>@</a:t>
+            </a:r>
+            <a:r>
+              <a:rPr lang="gl-ES" sz="1800" dirty="0" err="1">
+                <a:solidFill>
+                  <a:schemeClr val="bg1"/>
+                </a:solidFill>
+              </a:rPr>
+              <a:t>app.route</a:t>
+            </a:r>
+            <a:r>
+              <a:rPr lang="gl-ES" sz="1800" dirty="0" smtClean="0">
+                <a:solidFill>
+                  <a:schemeClr val="bg1"/>
+                </a:solidFill>
+              </a:rPr>
+              <a:t>('/')</a:t>
+            </a:r>
+          </a:p>
+          <a:p>
+            <a:pPr marL="457200" lvl="1" indent="0">
+              <a:buNone/>
             </a:pPr>
             <a:r>
-              <a:rPr lang="es-ES" sz="3200" dirty="0" err="1" smtClean="0"/>
-              <a:t>static</a:t>
-            </a:r>
-            <a:endParaRPr lang="es-ES" sz="3200" dirty="0"/>
-          </a:p>
-          <a:p>
-            <a:pPr lvl="2">
-              <a:lnSpc>
-                <a:spcPct val="100000"/>
-              </a:lnSpc>
+              <a:rPr lang="gl-ES" sz="1800" dirty="0" smtClean="0">
+                <a:solidFill>
+                  <a:schemeClr val="bg1"/>
+                </a:solidFill>
+              </a:rPr>
+              <a:t>	</a:t>
+            </a:r>
+            <a:r>
+              <a:rPr lang="gl-ES" sz="1800" dirty="0" err="1" smtClean="0">
+                <a:solidFill>
+                  <a:schemeClr val="bg1"/>
+                </a:solidFill>
+              </a:rPr>
+              <a:t>def</a:t>
+            </a:r>
+            <a:r>
+              <a:rPr lang="gl-ES" sz="1800" dirty="0" smtClean="0">
+                <a:solidFill>
+                  <a:schemeClr val="bg1"/>
+                </a:solidFill>
+              </a:rPr>
+              <a:t> </a:t>
+            </a:r>
+            <a:r>
+              <a:rPr lang="gl-ES" sz="1800" dirty="0" err="1">
+                <a:solidFill>
+                  <a:schemeClr val="bg1"/>
+                </a:solidFill>
+              </a:rPr>
+              <a:t>index</a:t>
+            </a:r>
+            <a:r>
+              <a:rPr lang="gl-ES" sz="1800" dirty="0" smtClean="0">
+                <a:solidFill>
+                  <a:schemeClr val="bg1"/>
+                </a:solidFill>
+              </a:rPr>
+              <a:t>():</a:t>
+            </a:r>
+          </a:p>
+          <a:p>
+            <a:pPr marL="457200" lvl="1" indent="0">
+              <a:buNone/>
             </a:pPr>
             <a:r>
-              <a:rPr lang="es-ES" sz="2800" dirty="0" err="1" smtClean="0"/>
-              <a:t>css</a:t>
-            </a:r>
-            <a:endParaRPr lang="es-ES" sz="2800" dirty="0"/>
-          </a:p>
-          <a:p>
-            <a:pPr lvl="2">
-              <a:lnSpc>
-                <a:spcPct val="100000"/>
-              </a:lnSpc>
+              <a:rPr lang="gl-ES" sz="1800" dirty="0" smtClean="0">
+                <a:solidFill>
+                  <a:schemeClr val="bg1"/>
+                </a:solidFill>
+              </a:rPr>
+              <a:t>	</a:t>
+            </a:r>
+            <a:r>
+              <a:rPr lang="gl-ES" sz="1800" dirty="0" err="1" smtClean="0">
+                <a:solidFill>
+                  <a:schemeClr val="bg1"/>
+                </a:solidFill>
+              </a:rPr>
+              <a:t>return</a:t>
+            </a:r>
+            <a:r>
+              <a:rPr lang="gl-ES" sz="1800" dirty="0" smtClean="0">
+                <a:solidFill>
+                  <a:schemeClr val="bg1"/>
+                </a:solidFill>
+              </a:rPr>
+              <a:t> </a:t>
+            </a:r>
+            <a:r>
+              <a:rPr lang="gl-ES" sz="1800" dirty="0" err="1">
+                <a:solidFill>
+                  <a:schemeClr val="bg1"/>
+                </a:solidFill>
+              </a:rPr>
+              <a:t>render_template</a:t>
+            </a:r>
+            <a:r>
+              <a:rPr lang="gl-ES" sz="1800" dirty="0">
+                <a:solidFill>
+                  <a:schemeClr val="bg1"/>
+                </a:solidFill>
+              </a:rPr>
+              <a:t>('index.html')</a:t>
+            </a:r>
+          </a:p>
+          <a:p>
+            <a:pPr marL="0" indent="0">
+              <a:buNone/>
             </a:pPr>
-            <a:r>
-              <a:rPr lang="es-ES" sz="2800" dirty="0" err="1" smtClean="0"/>
-              <a:t>img</a:t>
-            </a:r>
-            <a:endParaRPr lang="es-ES" sz="2800" dirty="0"/>
-          </a:p>
-          <a:p>
-            <a:pPr lvl="2">
-              <a:lnSpc>
-                <a:spcPct val="100000"/>
-              </a:lnSpc>
+            <a:endParaRPr lang="es-ES" dirty="0" smtClean="0"/>
+          </a:p>
+          <a:p>
+            <a:pPr marL="0" indent="0">
+              <a:buNone/>
             </a:pPr>
-            <a:r>
-              <a:rPr lang="es-ES" sz="2800" dirty="0" err="1" smtClean="0"/>
-              <a:t>js</a:t>
-            </a:r>
-            <a:endParaRPr lang="es-ES" sz="2800" dirty="0"/>
-          </a:p>
-          <a:p>
-            <a:pPr lvl="1">
-              <a:lnSpc>
-                <a:spcPct val="100000"/>
-              </a:lnSpc>
+            <a:endParaRPr lang="es-ES" dirty="0"/>
+          </a:p>
+          <a:p>
+            <a:r>
+              <a:rPr lang="es-ES" dirty="0" err="1" smtClean="0"/>
+              <a:t>Exemplo</a:t>
+            </a:r>
+            <a:r>
+              <a:rPr lang="es-ES" dirty="0" smtClean="0"/>
+              <a:t> de petición á API</a:t>
+            </a:r>
+          </a:p>
+          <a:p>
+            <a:pPr marL="0" indent="0">
+              <a:buNone/>
             </a:pPr>
             <a:r>
-              <a:rPr lang="es-ES" sz="3200" dirty="0" err="1" smtClean="0"/>
-              <a:t>templates</a:t>
-            </a:r>
-            <a:endParaRPr lang="es-ES" sz="3200" dirty="0"/>
-          </a:p>
-          <a:p>
-            <a:pPr lvl="1">
-              <a:lnSpc>
-                <a:spcPct val="100000"/>
-              </a:lnSpc>
+              <a:rPr lang="es-ES" sz="1800" dirty="0" smtClean="0"/>
+              <a:t>	</a:t>
+            </a:r>
+            <a:r>
+              <a:rPr lang="es-ES" sz="1800" dirty="0" smtClean="0">
+                <a:solidFill>
+                  <a:schemeClr val="bg1"/>
+                </a:solidFill>
+              </a:rPr>
+              <a:t>@</a:t>
+            </a:r>
+            <a:r>
+              <a:rPr lang="es-ES" sz="1800" dirty="0" err="1">
+                <a:solidFill>
+                  <a:schemeClr val="bg1"/>
+                </a:solidFill>
+              </a:rPr>
+              <a:t>app.route</a:t>
+            </a:r>
+            <a:r>
+              <a:rPr lang="es-ES" sz="1800" dirty="0">
+                <a:solidFill>
+                  <a:schemeClr val="bg1"/>
+                </a:solidFill>
+              </a:rPr>
+              <a:t>('/</a:t>
+            </a:r>
+            <a:r>
+              <a:rPr lang="es-ES" sz="1800" dirty="0" err="1" smtClean="0">
+                <a:solidFill>
+                  <a:schemeClr val="bg1"/>
+                </a:solidFill>
+              </a:rPr>
+              <a:t>obtener_clasificacion_este</a:t>
+            </a:r>
+            <a:r>
+              <a:rPr lang="es-ES" sz="1800" dirty="0" smtClean="0">
+                <a:solidFill>
+                  <a:schemeClr val="bg1"/>
+                </a:solidFill>
+              </a:rPr>
+              <a:t>', 	</a:t>
+            </a:r>
+            <a:r>
+              <a:rPr lang="es-ES" sz="1800" dirty="0" err="1" smtClean="0">
+                <a:solidFill>
+                  <a:schemeClr val="bg1"/>
+                </a:solidFill>
+              </a:rPr>
+              <a:t>methods</a:t>
+            </a:r>
+            <a:r>
+              <a:rPr lang="es-ES" sz="1800" dirty="0">
+                <a:solidFill>
+                  <a:schemeClr val="bg1"/>
+                </a:solidFill>
+              </a:rPr>
+              <a:t>=['GET'])</a:t>
+            </a:r>
+          </a:p>
+          <a:p>
+            <a:pPr marL="0" indent="0">
+              <a:buNone/>
             </a:pPr>
             <a:r>
-              <a:rPr lang="es-ES" sz="3200" dirty="0" smtClean="0"/>
-              <a:t>app.py</a:t>
-            </a:r>
-            <a:endParaRPr lang="es-ES" sz="3200" dirty="0"/>
-          </a:p>
-        </p:txBody>
-      </p:sp>
-      <p:sp>
-        <p:nvSpPr>
-          <p:cNvPr id="8" name="Título 7">
-            <a:extLst>
-              <a:ext uri="{FF2B5EF4-FFF2-40B4-BE49-F238E27FC236}">
-                <a16:creationId xmlns:a16="http://schemas.microsoft.com/office/drawing/2014/main" id="{8B6C5EAB-81FF-4827-A160-22F4363C611A}"/>
-              </a:ext>
-            </a:extLst>
-          </p:cNvPr>
+              <a:rPr lang="es-ES" sz="1800" dirty="0" smtClean="0">
+                <a:solidFill>
+                  <a:schemeClr val="bg1"/>
+                </a:solidFill>
+              </a:rPr>
+              <a:t>	</a:t>
+            </a:r>
+            <a:r>
+              <a:rPr lang="es-ES" sz="1800" dirty="0" err="1" smtClean="0">
+                <a:solidFill>
+                  <a:schemeClr val="bg1"/>
+                </a:solidFill>
+              </a:rPr>
+              <a:t>def</a:t>
+            </a:r>
+            <a:r>
+              <a:rPr lang="es-ES" sz="1800" dirty="0" smtClean="0">
+                <a:solidFill>
+                  <a:schemeClr val="bg1"/>
+                </a:solidFill>
+              </a:rPr>
+              <a:t> </a:t>
+            </a:r>
+            <a:r>
+              <a:rPr lang="es-ES" sz="1800" dirty="0" err="1">
+                <a:solidFill>
+                  <a:schemeClr val="bg1"/>
+                </a:solidFill>
+              </a:rPr>
+              <a:t>obtener_clasificacion_este</a:t>
+            </a:r>
+            <a:r>
+              <a:rPr lang="es-ES" sz="1800" dirty="0">
+                <a:solidFill>
+                  <a:schemeClr val="bg1"/>
+                </a:solidFill>
+              </a:rPr>
+              <a:t>():</a:t>
+            </a:r>
+          </a:p>
+          <a:p>
+            <a:pPr marL="0" indent="0">
+              <a:buNone/>
+            </a:pPr>
+            <a:endParaRPr lang="gl-ES" dirty="0"/>
+          </a:p>
+        </p:txBody>
+      </p:sp>
+      <p:sp>
+        <p:nvSpPr>
+          <p:cNvPr id="4" name="Título 3"/>
           <p:cNvSpPr>
             <a:spLocks noGrp="1"/>
           </p:cNvSpPr>
@@ -14348,73 +14742,357 @@
         </p:nvSpPr>
         <p:spPr>
           <a:xfrm>
-            <a:off x="531379" y="770168"/>
+            <a:off x="484486" y="397984"/>
             <a:ext cx="7342622" cy="1215566"/>
           </a:xfrm>
         </p:spPr>
         <p:txBody>
-          <a:bodyPr rtlCol="0"/>
+          <a:bodyPr/>
           <a:lstStyle/>
           <a:p>
+            <a:r>
+              <a:rPr lang="es-ES" dirty="0" smtClean="0"/>
+              <a:t>Cliente-Servidor</a:t>
+            </a:r>
+            <a:endParaRPr lang="gl-ES" dirty="0"/>
+          </a:p>
+        </p:txBody>
+      </p:sp>
+      <p:sp>
+        <p:nvSpPr>
+          <p:cNvPr id="7" name="Marcador de número de diapositiva 6"/>
+          <p:cNvSpPr>
+            <a:spLocks noGrp="1"/>
+          </p:cNvSpPr>
+          <p:nvPr>
+            <p:ph type="sldNum" sz="quarter" idx="15"/>
+          </p:nvPr>
+        </p:nvSpPr>
+        <p:spPr/>
+        <p:txBody>
+          <a:bodyPr/>
+          <a:lstStyle/>
+          <a:p>
             <a:pPr rtl="0"/>
-            <a:r>
-              <a:rPr lang="es-ES" dirty="0" err="1" smtClean="0"/>
-              <a:t>Estrutura</a:t>
-            </a:r>
-            <a:endParaRPr lang="es-ES" b="0" dirty="0"/>
-          </a:p>
-        </p:txBody>
-      </p:sp>
-      <p:sp>
-        <p:nvSpPr>
-          <p:cNvPr id="22" name="Cuadro de texto 21">
-            <a:extLst>
-              <a:ext uri="{FF2B5EF4-FFF2-40B4-BE49-F238E27FC236}">
-                <a16:creationId xmlns:a16="http://schemas.microsoft.com/office/drawing/2014/main" id="{D6E86452-6AEA-4380-9682-AB26317ADB62}"/>
-              </a:ext>
-            </a:extLst>
-          </p:cNvPr>
+            <a:fld id="{8699F50C-BE38-4BD0-BA84-9B090E1F2B9B}" type="slidenum">
+              <a:rPr lang="es-ES" noProof="0" smtClean="0"/>
+              <a:t>10</a:t>
+            </a:fld>
+            <a:r>
+              <a:rPr lang="es-ES" noProof="0" dirty="0" smtClean="0"/>
+              <a:t>/14</a:t>
+            </a:r>
+            <a:endParaRPr lang="es-ES" noProof="0" dirty="0"/>
+          </a:p>
+        </p:txBody>
+      </p:sp>
+      <p:sp>
+        <p:nvSpPr>
+          <p:cNvPr id="16" name="CuadroTexto 15"/>
           <p:cNvSpPr txBox="1"/>
           <p:nvPr/>
         </p:nvSpPr>
         <p:spPr>
           <a:xfrm>
-            <a:off x="2955850" y="3666606"/>
-            <a:ext cx="272832" cy="307777"/>
+            <a:off x="5765326" y="3027790"/>
+            <a:ext cx="5770177" cy="646331"/>
           </a:xfrm>
           <a:prstGeom prst="rect">
             <a:avLst/>
           </a:prstGeom>
           <a:noFill/>
-        </p:spPr>
-        <p:txBody>
-          <a:bodyPr wrap="none" rtlCol="0">
+          <a:ln>
+            <a:noFill/>
+          </a:ln>
+        </p:spPr>
+        <p:txBody>
+          <a:bodyPr wrap="square" rtlCol="0">
             <a:spAutoFit/>
           </a:bodyPr>
           <a:lstStyle/>
           <a:p>
-            <a:pPr rtl="0"/>
-            <a:r>
-              <a:rPr lang="es-ES" sz="1400" dirty="0" smtClean="0">
+            <a:r>
+              <a:rPr lang="en-US" dirty="0">
                 <a:solidFill>
                   <a:schemeClr val="bg1"/>
                 </a:solidFill>
-                <a:cs typeface="Calibri Light" panose="020F0302020204030204" pitchFamily="34" charset="0"/>
               </a:rPr>
-              <a:t>E</a:t>
-            </a:r>
-            <a:endParaRPr lang="es-ES" sz="1400" dirty="0">
-              <a:solidFill>
-                <a:schemeClr val="bg1"/>
-              </a:solidFill>
-              <a:cs typeface="Calibri Light" panose="020F0302020204030204" pitchFamily="34" charset="0"/>
-            </a:endParaRPr>
+              <a:t>            &lt;a class="</a:t>
+            </a:r>
+            <a:r>
+              <a:rPr lang="en-US" dirty="0" err="1">
+                <a:solidFill>
+                  <a:schemeClr val="bg1"/>
+                </a:solidFill>
+              </a:rPr>
+              <a:t>navbar</a:t>
+            </a:r>
+            <a:r>
+              <a:rPr lang="en-US" dirty="0">
+                <a:solidFill>
+                  <a:schemeClr val="bg1"/>
+                </a:solidFill>
+              </a:rPr>
+              <a:t>-brand" </a:t>
+            </a:r>
+            <a:r>
+              <a:rPr lang="en-US" dirty="0" err="1">
+                <a:solidFill>
+                  <a:schemeClr val="bg1"/>
+                </a:solidFill>
+              </a:rPr>
+              <a:t>href</a:t>
+            </a:r>
+            <a:r>
+              <a:rPr lang="en-US" dirty="0">
+                <a:solidFill>
+                  <a:schemeClr val="bg1"/>
+                </a:solidFill>
+              </a:rPr>
+              <a:t>="{{</a:t>
+            </a:r>
+            <a:r>
+              <a:rPr lang="en-US" dirty="0" err="1">
+                <a:solidFill>
+                  <a:schemeClr val="bg1"/>
+                </a:solidFill>
+              </a:rPr>
+              <a:t>url_for</a:t>
+            </a:r>
+            <a:r>
+              <a:rPr lang="en-US" dirty="0">
+                <a:solidFill>
+                  <a:schemeClr val="bg1"/>
+                </a:solidFill>
+              </a:rPr>
+              <a:t>('index')}}"&gt;</a:t>
+            </a:r>
+          </a:p>
+          <a:p>
+            <a:endParaRPr lang="gl-ES" dirty="0"/>
+          </a:p>
+        </p:txBody>
+      </p:sp>
+      <p:sp>
+        <p:nvSpPr>
+          <p:cNvPr id="17" name="CuadroTexto 16"/>
+          <p:cNvSpPr txBox="1"/>
+          <p:nvPr/>
+        </p:nvSpPr>
+        <p:spPr>
+          <a:xfrm>
+            <a:off x="5930866" y="4101813"/>
+            <a:ext cx="6125308" cy="2031325"/>
+          </a:xfrm>
+          <a:prstGeom prst="rect">
+            <a:avLst/>
+          </a:prstGeom>
+          <a:noFill/>
+        </p:spPr>
+        <p:txBody>
+          <a:bodyPr wrap="square" rtlCol="0">
+            <a:spAutoFit/>
+          </a:bodyPr>
+          <a:lstStyle/>
+          <a:p>
+            <a:r>
+              <a:rPr lang="gl-ES" dirty="0"/>
+              <a:t/>
+            </a:r>
+            <a:br>
+              <a:rPr lang="gl-ES" dirty="0"/>
+            </a:br>
+            <a:r>
+              <a:rPr lang="gl-ES" dirty="0" err="1"/>
+              <a:t>document.addEventListener</a:t>
+            </a:r>
+            <a:r>
+              <a:rPr lang="gl-ES" dirty="0"/>
+              <a:t>('</a:t>
+            </a:r>
+            <a:r>
+              <a:rPr lang="gl-ES" dirty="0" err="1"/>
+              <a:t>DOMContentLoaded</a:t>
+            </a:r>
+            <a:r>
+              <a:rPr lang="gl-ES" dirty="0"/>
+              <a:t>', </a:t>
+            </a:r>
+            <a:r>
+              <a:rPr lang="gl-ES" dirty="0" err="1"/>
+              <a:t>function</a:t>
+            </a:r>
+            <a:r>
+              <a:rPr lang="gl-ES" dirty="0"/>
+              <a:t> () </a:t>
+            </a:r>
+            <a:r>
+              <a:rPr lang="gl-ES" dirty="0" smtClean="0"/>
+              <a:t>{</a:t>
+            </a:r>
+          </a:p>
+          <a:p>
+            <a:r>
+              <a:rPr lang="gl-ES" dirty="0" smtClean="0"/>
+              <a:t>	</a:t>
+            </a:r>
+            <a:r>
+              <a:rPr lang="gl-ES" dirty="0" err="1" smtClean="0"/>
+              <a:t>const</a:t>
+            </a:r>
+            <a:r>
+              <a:rPr lang="gl-ES" dirty="0" smtClean="0"/>
+              <a:t> </a:t>
+            </a:r>
+            <a:r>
+              <a:rPr lang="gl-ES" dirty="0" err="1"/>
+              <a:t>xhr</a:t>
+            </a:r>
+            <a:r>
+              <a:rPr lang="gl-ES" dirty="0"/>
+              <a:t> = </a:t>
+            </a:r>
+            <a:r>
+              <a:rPr lang="gl-ES" dirty="0" err="1"/>
+              <a:t>new</a:t>
+            </a:r>
+            <a:r>
+              <a:rPr lang="gl-ES" dirty="0"/>
+              <a:t> </a:t>
+            </a:r>
+            <a:r>
+              <a:rPr lang="gl-ES" dirty="0" err="1"/>
+              <a:t>XMLHttpRequest</a:t>
+            </a:r>
+            <a:r>
+              <a:rPr lang="gl-ES" dirty="0"/>
+              <a:t>();</a:t>
+            </a:r>
+          </a:p>
+          <a:p>
+            <a:r>
+              <a:rPr lang="gl-ES" dirty="0" smtClean="0"/>
+              <a:t>	</a:t>
+            </a:r>
+            <a:r>
+              <a:rPr lang="gl-ES" dirty="0" err="1" smtClean="0"/>
+              <a:t>xhr.open</a:t>
+            </a:r>
+            <a:r>
+              <a:rPr lang="gl-ES" dirty="0"/>
+              <a:t>('GET</a:t>
+            </a:r>
+            <a:r>
+              <a:rPr lang="gl-ES" dirty="0" smtClean="0"/>
+              <a:t>','http</a:t>
+            </a:r>
+            <a:r>
+              <a:rPr lang="gl-ES" dirty="0"/>
+              <a:t>://</a:t>
+            </a:r>
+            <a:r>
+              <a:rPr lang="gl-ES" dirty="0" smtClean="0"/>
+              <a:t>127.0.0.1:5000/obtener_clasifi	</a:t>
+            </a:r>
+            <a:r>
+              <a:rPr lang="gl-ES" dirty="0" err="1" smtClean="0"/>
+              <a:t>cacion_este</a:t>
+            </a:r>
+            <a:r>
+              <a:rPr lang="gl-ES" dirty="0"/>
+              <a:t>', </a:t>
+            </a:r>
+            <a:r>
+              <a:rPr lang="gl-ES" dirty="0" err="1"/>
+              <a:t>true</a:t>
+            </a:r>
+            <a:r>
+              <a:rPr lang="gl-ES" dirty="0"/>
+              <a:t>); </a:t>
+            </a:r>
+          </a:p>
+          <a:p>
+            <a:r>
+              <a:rPr lang="gl-ES" dirty="0"/>
+              <a:t>    </a:t>
+            </a:r>
+            <a:r>
+              <a:rPr lang="gl-ES" dirty="0" smtClean="0"/>
+              <a:t>	</a:t>
+            </a:r>
+            <a:r>
+              <a:rPr lang="gl-ES" dirty="0" err="1" smtClean="0"/>
+              <a:t>xhr.setRequestHeader</a:t>
+            </a:r>
+            <a:r>
+              <a:rPr lang="gl-ES" dirty="0"/>
+              <a:t>('</a:t>
+            </a:r>
+            <a:r>
+              <a:rPr lang="gl-ES" dirty="0" err="1"/>
+              <a:t>Content-Type</a:t>
+            </a:r>
+            <a:r>
+              <a:rPr lang="gl-ES" dirty="0"/>
+              <a:t>', </a:t>
+            </a:r>
+            <a:r>
+              <a:rPr lang="gl-ES" dirty="0" smtClean="0"/>
+              <a:t>	'</a:t>
+            </a:r>
+            <a:r>
+              <a:rPr lang="gl-ES" dirty="0" err="1" smtClean="0"/>
+              <a:t>application</a:t>
+            </a:r>
+            <a:r>
+              <a:rPr lang="gl-ES" dirty="0" smtClean="0"/>
+              <a:t>/</a:t>
+            </a:r>
+            <a:r>
+              <a:rPr lang="gl-ES" dirty="0" err="1" smtClean="0"/>
+              <a:t>json</a:t>
+            </a:r>
+            <a:r>
+              <a:rPr lang="gl-ES" dirty="0" smtClean="0"/>
+              <a:t>');</a:t>
+            </a:r>
+            <a:endParaRPr lang="gl-ES" dirty="0"/>
           </a:p>
         </p:txBody>
       </p:sp>
       <p:pic>
         <p:nvPicPr>
-          <p:cNvPr id="9" name="Imagen 8"/>
+          <p:cNvPr id="18" name="Imagen 17"/>
+          <p:cNvPicPr>
+            <a:picLocks noChangeAspect="1"/>
+          </p:cNvPicPr>
+          <p:nvPr/>
+        </p:nvPicPr>
+        <p:blipFill>
+          <a:blip r:embed="rId2">
+            <a:extLst>
+              <a:ext uri="{28A0092B-C50C-407E-A947-70E740481C1C}">
+                <a14:useLocalDpi xmlns:a14="http://schemas.microsoft.com/office/drawing/2010/main" val="0"/>
+              </a:ext>
+            </a:extLst>
+          </a:blip>
+          <a:stretch>
+            <a:fillRect/>
+          </a:stretch>
+        </p:blipFill>
+        <p:spPr>
+          <a:xfrm>
+            <a:off x="2889947" y="5845455"/>
+            <a:ext cx="521036" cy="521036"/>
+          </a:xfrm>
+          <a:prstGeom prst="rect">
+            <a:avLst/>
+          </a:prstGeom>
+        </p:spPr>
+      </p:pic>
+      <p:pic>
+        <p:nvPicPr>
+          <p:cNvPr id="19" name="Imagen 18"/>
           <p:cNvPicPr>
             <a:picLocks noChangeAspect="1"/>
           </p:cNvPicPr>
@@ -14434,8 +15112,8 @@
         </p:blipFill>
         <p:spPr>
           <a:xfrm>
-            <a:off x="6465936" y="1667794"/>
-            <a:ext cx="4934568" cy="4934568"/>
+            <a:off x="2239873" y="5877123"/>
+            <a:ext cx="446571" cy="489367"/>
           </a:xfrm>
           <a:prstGeom prst="rect">
             <a:avLst/>
@@ -14444,33 +15122,30 @@
       </p:pic>
       <p:sp>
         <p:nvSpPr>
-          <p:cNvPr id="10" name="Elipse 9"/>
+          <p:cNvPr id="20" name="Flecha derecha 19"/>
           <p:cNvSpPr/>
           <p:nvPr/>
         </p:nvSpPr>
         <p:spPr>
           <a:xfrm>
-            <a:off x="11024419" y="199103"/>
-            <a:ext cx="921775" cy="693174"/>
-          </a:xfrm>
-          <a:prstGeom prst="ellipse">
+            <a:off x="5186451" y="3043469"/>
+            <a:ext cx="744415" cy="369276"/>
+          </a:xfrm>
+          <a:prstGeom prst="rightArrow">
             <a:avLst/>
           </a:prstGeom>
-          <a:ln>
-            <a:noFill/>
-          </a:ln>
         </p:spPr>
         <p:style>
           <a:lnRef idx="2">
-            <a:schemeClr val="accent3">
+            <a:schemeClr val="accent2">
               <a:shade val="50000"/>
             </a:schemeClr>
           </a:lnRef>
           <a:fillRef idx="1">
-            <a:schemeClr val="accent3"/>
+            <a:schemeClr val="accent2"/>
           </a:fillRef>
           <a:effectRef idx="0">
-            <a:schemeClr val="accent3"/>
+            <a:schemeClr val="accent2"/>
           </a:effectRef>
           <a:fontRef idx="minor">
             <a:schemeClr val="lt1"/>
@@ -14485,16 +15160,303 @@
           </a:p>
         </p:txBody>
       </p:sp>
+      <p:sp>
+        <p:nvSpPr>
+          <p:cNvPr id="21" name="Flecha derecha 20"/>
+          <p:cNvSpPr/>
+          <p:nvPr/>
+        </p:nvSpPr>
+        <p:spPr>
+          <a:xfrm>
+            <a:off x="5134709" y="4827664"/>
+            <a:ext cx="796157" cy="410308"/>
+          </a:xfrm>
+          <a:prstGeom prst="rightArrow">
+            <a:avLst/>
+          </a:prstGeom>
+        </p:spPr>
+        <p:style>
+          <a:lnRef idx="2">
+            <a:schemeClr val="accent2">
+              <a:shade val="50000"/>
+            </a:schemeClr>
+          </a:lnRef>
+          <a:fillRef idx="1">
+            <a:schemeClr val="accent2"/>
+          </a:fillRef>
+          <a:effectRef idx="0">
+            <a:schemeClr val="accent2"/>
+          </a:effectRef>
+          <a:fontRef idx="minor">
+            <a:schemeClr val="lt1"/>
+          </a:fontRef>
+        </p:style>
+        <p:txBody>
+          <a:bodyPr rtlCol="0" anchor="ctr"/>
+          <a:lstStyle/>
+          <a:p>
+            <a:pPr algn="ctr"/>
+            <a:endParaRPr lang="gl-ES"/>
+          </a:p>
+        </p:txBody>
+      </p:sp>
+      <p:pic>
+        <p:nvPicPr>
+          <p:cNvPr id="22" name="Imagen 21"/>
+          <p:cNvPicPr>
+            <a:picLocks noChangeAspect="1"/>
+          </p:cNvPicPr>
+          <p:nvPr/>
+        </p:nvPicPr>
+        <p:blipFill>
+          <a:blip r:embed="rId4">
+            <a:extLst>
+              <a:ext uri="{28A0092B-C50C-407E-A947-70E740481C1C}">
+                <a14:useLocalDpi xmlns:a14="http://schemas.microsoft.com/office/drawing/2010/main" val="0"/>
+              </a:ext>
+            </a:extLst>
+          </a:blip>
+          <a:stretch>
+            <a:fillRect/>
+          </a:stretch>
+        </p:blipFill>
+        <p:spPr>
+          <a:xfrm>
+            <a:off x="8577045" y="5965425"/>
+            <a:ext cx="892575" cy="892575"/>
+          </a:xfrm>
+          <a:prstGeom prst="rect">
+            <a:avLst/>
+          </a:prstGeom>
+        </p:spPr>
+      </p:pic>
+      <p:pic>
+        <p:nvPicPr>
+          <p:cNvPr id="23" name="Imagen 22"/>
+          <p:cNvPicPr>
+            <a:picLocks noChangeAspect="1"/>
+          </p:cNvPicPr>
+          <p:nvPr/>
+        </p:nvPicPr>
+        <p:blipFill>
+          <a:blip r:embed="rId2">
+            <a:extLst>
+              <a:ext uri="{28A0092B-C50C-407E-A947-70E740481C1C}">
+                <a14:useLocalDpi xmlns:a14="http://schemas.microsoft.com/office/drawing/2010/main" val="0"/>
+              </a:ext>
+            </a:extLst>
+          </a:blip>
+          <a:stretch>
+            <a:fillRect/>
+          </a:stretch>
+        </p:blipFill>
+        <p:spPr>
+          <a:xfrm>
+            <a:off x="2945621" y="3505993"/>
+            <a:ext cx="465362" cy="465362"/>
+          </a:xfrm>
+          <a:prstGeom prst="rect">
+            <a:avLst/>
+          </a:prstGeom>
+        </p:spPr>
+      </p:pic>
+      <p:pic>
+        <p:nvPicPr>
+          <p:cNvPr id="24" name="Imagen 23"/>
+          <p:cNvPicPr>
+            <a:picLocks noChangeAspect="1"/>
+          </p:cNvPicPr>
+          <p:nvPr/>
+        </p:nvPicPr>
+        <p:blipFill>
+          <a:blip r:embed="rId3">
+            <a:extLst>
+              <a:ext uri="{28A0092B-C50C-407E-A947-70E740481C1C}">
+                <a14:useLocalDpi xmlns:a14="http://schemas.microsoft.com/office/drawing/2010/main" val="0"/>
+              </a:ext>
+            </a:extLst>
+          </a:blip>
+          <a:stretch>
+            <a:fillRect/>
+          </a:stretch>
+        </p:blipFill>
+        <p:spPr>
+          <a:xfrm>
+            <a:off x="2302571" y="3534279"/>
+            <a:ext cx="398853" cy="437076"/>
+          </a:xfrm>
+          <a:prstGeom prst="rect">
+            <a:avLst/>
+          </a:prstGeom>
+        </p:spPr>
+      </p:pic>
+      <p:pic>
+        <p:nvPicPr>
+          <p:cNvPr id="25" name="Imagen 24"/>
+          <p:cNvPicPr>
+            <a:picLocks noChangeAspect="1"/>
+          </p:cNvPicPr>
+          <p:nvPr/>
+        </p:nvPicPr>
+        <p:blipFill>
+          <a:blip r:embed="rId5">
+            <a:extLst>
+              <a:ext uri="{28A0092B-C50C-407E-A947-70E740481C1C}">
+                <a14:useLocalDpi xmlns:a14="http://schemas.microsoft.com/office/drawing/2010/main" val="0"/>
+              </a:ext>
+            </a:extLst>
+          </a:blip>
+          <a:stretch>
+            <a:fillRect/>
+          </a:stretch>
+        </p:blipFill>
+        <p:spPr>
+          <a:xfrm>
+            <a:off x="8439331" y="3578064"/>
+            <a:ext cx="419100" cy="419100"/>
+          </a:xfrm>
+          <a:prstGeom prst="rect">
+            <a:avLst/>
+          </a:prstGeom>
+        </p:spPr>
+      </p:pic>
+      <p:pic>
+        <p:nvPicPr>
+          <p:cNvPr id="27" name="Imagen 26"/>
+          <p:cNvPicPr>
+            <a:picLocks noChangeAspect="1"/>
+          </p:cNvPicPr>
+          <p:nvPr/>
+        </p:nvPicPr>
+        <p:blipFill>
+          <a:blip r:embed="rId5">
+            <a:extLst>
+              <a:ext uri="{28A0092B-C50C-407E-A947-70E740481C1C}">
+                <a14:useLocalDpi xmlns:a14="http://schemas.microsoft.com/office/drawing/2010/main" val="0"/>
+              </a:ext>
+            </a:extLst>
+          </a:blip>
+          <a:stretch>
+            <a:fillRect/>
+          </a:stretch>
+        </p:blipFill>
+        <p:spPr>
+          <a:xfrm>
+            <a:off x="10709174" y="1463568"/>
+            <a:ext cx="709104" cy="709104"/>
+          </a:xfrm>
+          <a:prstGeom prst="rect">
+            <a:avLst/>
+          </a:prstGeom>
+        </p:spPr>
+      </p:pic>
+      <p:pic>
+        <p:nvPicPr>
+          <p:cNvPr id="28" name="Imagen 27"/>
+          <p:cNvPicPr>
+            <a:picLocks noChangeAspect="1"/>
+          </p:cNvPicPr>
+          <p:nvPr/>
+        </p:nvPicPr>
+        <p:blipFill>
+          <a:blip r:embed="rId2">
+            <a:extLst>
+              <a:ext uri="{28A0092B-C50C-407E-A947-70E740481C1C}">
+                <a14:useLocalDpi xmlns:a14="http://schemas.microsoft.com/office/drawing/2010/main" val="0"/>
+              </a:ext>
+            </a:extLst>
+          </a:blip>
+          <a:stretch>
+            <a:fillRect/>
+          </a:stretch>
+        </p:blipFill>
+        <p:spPr>
+          <a:xfrm>
+            <a:off x="9388900" y="214766"/>
+            <a:ext cx="997536" cy="997536"/>
+          </a:xfrm>
+          <a:prstGeom prst="rect">
+            <a:avLst/>
+          </a:prstGeom>
+        </p:spPr>
+      </p:pic>
+      <p:pic>
+        <p:nvPicPr>
+          <p:cNvPr id="29" name="Imagen 28"/>
+          <p:cNvPicPr>
+            <a:picLocks noChangeAspect="1"/>
+          </p:cNvPicPr>
+          <p:nvPr/>
+        </p:nvPicPr>
+        <p:blipFill>
+          <a:blip r:embed="rId4">
+            <a:extLst>
+              <a:ext uri="{28A0092B-C50C-407E-A947-70E740481C1C}">
+                <a14:useLocalDpi xmlns:a14="http://schemas.microsoft.com/office/drawing/2010/main" val="0"/>
+              </a:ext>
+            </a:extLst>
+          </a:blip>
+          <a:stretch>
+            <a:fillRect/>
+          </a:stretch>
+        </p:blipFill>
+        <p:spPr>
+          <a:xfrm>
+            <a:off x="9333489" y="1212302"/>
+            <a:ext cx="1219200" cy="1219200"/>
+          </a:xfrm>
+          <a:prstGeom prst="rect">
+            <a:avLst/>
+          </a:prstGeom>
+        </p:spPr>
+      </p:pic>
+      <p:pic>
+        <p:nvPicPr>
+          <p:cNvPr id="30" name="Imagen 29"/>
+          <p:cNvPicPr>
+            <a:picLocks noChangeAspect="1"/>
+          </p:cNvPicPr>
+          <p:nvPr/>
+        </p:nvPicPr>
+        <p:blipFill>
+          <a:blip r:embed="rId3">
+            <a:extLst>
+              <a:ext uri="{28A0092B-C50C-407E-A947-70E740481C1C}">
+                <a14:useLocalDpi xmlns:a14="http://schemas.microsoft.com/office/drawing/2010/main" val="0"/>
+              </a:ext>
+            </a:extLst>
+          </a:blip>
+          <a:stretch>
+            <a:fillRect/>
+          </a:stretch>
+        </p:blipFill>
+        <p:spPr>
+          <a:xfrm>
+            <a:off x="8154743" y="330922"/>
+            <a:ext cx="804301" cy="881380"/>
+          </a:xfrm>
+          <a:prstGeom prst="rect">
+            <a:avLst/>
+          </a:prstGeom>
+        </p:spPr>
+      </p:pic>
     </p:spTree>
     <p:extLst>
       <p:ext uri="{BB962C8B-B14F-4D97-AF65-F5344CB8AC3E}">
-        <p14:creationId xmlns:p14="http://schemas.microsoft.com/office/powerpoint/2010/main" val="2260955757"/>
+        <p14:creationId xmlns:p14="http://schemas.microsoft.com/office/powerpoint/2010/main" val="2747572456"/>
       </p:ext>
     </p:extLst>
   </p:cSld>
   <p:clrMapOvr>
     <a:masterClrMapping/>
   </p:clrMapOvr>
+  <p:timing>
+    <p:tnLst>
+      <p:par>
+        <p:cTn id="1" dur="indefinite" restart="never" nodeType="tmRoot"/>
+      </p:par>
+    </p:tnLst>
+  </p:timing>
 </p:sld>
 </file>
 
@@ -14517,19 +15479,13 @@
       </p:grpSpPr>
       <p:sp>
         <p:nvSpPr>
-          <p:cNvPr id="2" name="Marcador de posición de imagen 1"/>
-          <p:cNvSpPr>
-            <a:spLocks noGrp="1"/>
-          </p:cNvSpPr>
-          <p:nvPr>
-            <p:ph type="pic" sz="quarter" idx="14"/>
-          </p:nvPr>
-        </p:nvSpPr>
-        <p:spPr/>
-      </p:sp>
-      <p:sp>
-        <p:nvSpPr>
-          <p:cNvPr id="3" name="Marcador de contenido 2"/>
+          <p:cNvPr id="15" name="Marcador de texto 14">
+            <a:extLst>
+              <a:ext uri="{FF2B5EF4-FFF2-40B4-BE49-F238E27FC236}">
+                <a16:creationId xmlns:a16="http://schemas.microsoft.com/office/drawing/2014/main" id="{7A3FB895-3D21-4707-8EDE-3F825906DE41}"/>
+              </a:ext>
+            </a:extLst>
+          </p:cNvPr>
           <p:cNvSpPr>
             <a:spLocks noGrp="1"/>
           </p:cNvSpPr>
@@ -14539,21 +15495,113 @@
         </p:nvSpPr>
         <p:spPr>
           <a:xfrm>
-            <a:off x="531378" y="2149780"/>
-            <a:ext cx="4942829" cy="2958275"/>
-          </a:xfrm>
-        </p:spPr>
-        <p:txBody>
-          <a:bodyPr/>
+            <a:off x="531379" y="2245262"/>
+            <a:ext cx="5876796" cy="3779631"/>
+          </a:xfrm>
+          <a:prstGeom prst="rect">
+            <a:avLst/>
+          </a:prstGeom>
+        </p:spPr>
+        <p:txBody>
+          <a:bodyPr rtlCol="0">
+            <a:noAutofit/>
+          </a:bodyPr>
           <a:lstStyle/>
           <a:p>
-            <a:endParaRPr lang="gl-ES" dirty="0"/>
-          </a:p>
-        </p:txBody>
-      </p:sp>
-      <p:sp>
-        <p:nvSpPr>
-          <p:cNvPr id="5" name="Título 4"/>
+            <a:pPr>
+              <a:lnSpc>
+                <a:spcPct val="100000"/>
+              </a:lnSpc>
+            </a:pPr>
+            <a:r>
+              <a:rPr lang="es-ES" sz="3600" dirty="0" err="1" smtClean="0"/>
+              <a:t>CanastraApp</a:t>
+            </a:r>
+            <a:endParaRPr lang="es-ES" sz="3600" dirty="0" smtClean="0"/>
+          </a:p>
+          <a:p>
+            <a:pPr lvl="1">
+              <a:lnSpc>
+                <a:spcPct val="100000"/>
+              </a:lnSpc>
+            </a:pPr>
+            <a:r>
+              <a:rPr lang="es-ES" sz="3200" dirty="0" err="1" smtClean="0"/>
+              <a:t>static</a:t>
+            </a:r>
+            <a:endParaRPr lang="es-ES" sz="3200" dirty="0"/>
+          </a:p>
+          <a:p>
+            <a:pPr lvl="2">
+              <a:lnSpc>
+                <a:spcPct val="100000"/>
+              </a:lnSpc>
+            </a:pPr>
+            <a:r>
+              <a:rPr lang="es-ES" sz="2800" dirty="0" err="1" smtClean="0"/>
+              <a:t>css</a:t>
+            </a:r>
+            <a:endParaRPr lang="es-ES" sz="2800" dirty="0"/>
+          </a:p>
+          <a:p>
+            <a:pPr lvl="2">
+              <a:lnSpc>
+                <a:spcPct val="100000"/>
+              </a:lnSpc>
+            </a:pPr>
+            <a:r>
+              <a:rPr lang="es-ES" sz="2800" dirty="0" err="1" smtClean="0"/>
+              <a:t>img</a:t>
+            </a:r>
+            <a:endParaRPr lang="es-ES" sz="2800" dirty="0"/>
+          </a:p>
+          <a:p>
+            <a:pPr lvl="2">
+              <a:lnSpc>
+                <a:spcPct val="100000"/>
+              </a:lnSpc>
+            </a:pPr>
+            <a:r>
+              <a:rPr lang="es-ES" sz="2800" dirty="0" err="1" smtClean="0"/>
+              <a:t>js</a:t>
+            </a:r>
+            <a:endParaRPr lang="es-ES" sz="2800" dirty="0"/>
+          </a:p>
+          <a:p>
+            <a:pPr lvl="1">
+              <a:lnSpc>
+                <a:spcPct val="100000"/>
+              </a:lnSpc>
+            </a:pPr>
+            <a:r>
+              <a:rPr lang="es-ES" sz="3200" dirty="0" err="1" smtClean="0"/>
+              <a:t>templates</a:t>
+            </a:r>
+            <a:endParaRPr lang="es-ES" sz="3200" dirty="0"/>
+          </a:p>
+          <a:p>
+            <a:pPr lvl="1">
+              <a:lnSpc>
+                <a:spcPct val="100000"/>
+              </a:lnSpc>
+            </a:pPr>
+            <a:r>
+              <a:rPr lang="es-ES" sz="3200" dirty="0" smtClean="0"/>
+              <a:t>app.py</a:t>
+            </a:r>
+            <a:endParaRPr lang="es-ES" sz="3200" dirty="0"/>
+          </a:p>
+        </p:txBody>
+      </p:sp>
+      <p:sp>
+        <p:nvSpPr>
+          <p:cNvPr id="8" name="Título 7">
+            <a:extLst>
+              <a:ext uri="{FF2B5EF4-FFF2-40B4-BE49-F238E27FC236}">
+                <a16:creationId xmlns:a16="http://schemas.microsoft.com/office/drawing/2014/main" id="{8B6C5EAB-81FF-4827-A160-22F4363C611A}"/>
+              </a:ext>
+            </a:extLst>
+          </p:cNvPr>
           <p:cNvSpPr>
             <a:spLocks noGrp="1"/>
           </p:cNvSpPr>
@@ -14563,49 +15611,116 @@
         </p:nvSpPr>
         <p:spPr>
           <a:xfrm>
-            <a:off x="531378" y="783723"/>
+            <a:off x="531379" y="770168"/>
             <a:ext cx="7342622" cy="1215566"/>
           </a:xfrm>
         </p:spPr>
         <p:txBody>
-          <a:bodyPr/>
+          <a:bodyPr rtlCol="0"/>
           <a:lstStyle/>
           <a:p>
-            <a:r>
-              <a:rPr lang="gl-ES" dirty="0" smtClean="0"/>
-              <a:t>Vídeo de presentación</a:t>
-            </a:r>
-            <a:endParaRPr lang="gl-ES" dirty="0"/>
-          </a:p>
-        </p:txBody>
-      </p:sp>
-      <p:sp>
-        <p:nvSpPr>
-          <p:cNvPr id="6" name="Marcador de pie de página 5"/>
-          <p:cNvSpPr>
-            <a:spLocks noGrp="1"/>
-          </p:cNvSpPr>
-          <p:nvPr>
-            <p:ph type="ftr" sz="quarter" idx="15"/>
-          </p:nvPr>
-        </p:nvSpPr>
-        <p:spPr/>
-        <p:txBody>
-          <a:bodyPr/>
+            <a:pPr rtl="0"/>
+            <a:r>
+              <a:rPr lang="es-ES" dirty="0" err="1" smtClean="0"/>
+              <a:t>Estrutura</a:t>
+            </a:r>
+            <a:endParaRPr lang="es-ES" b="0" dirty="0"/>
+          </a:p>
+        </p:txBody>
+      </p:sp>
+      <p:sp>
+        <p:nvSpPr>
+          <p:cNvPr id="22" name="Cuadro de texto 21">
+            <a:extLst>
+              <a:ext uri="{FF2B5EF4-FFF2-40B4-BE49-F238E27FC236}">
+                <a16:creationId xmlns:a16="http://schemas.microsoft.com/office/drawing/2014/main" id="{D6E86452-6AEA-4380-9682-AB26317ADB62}"/>
+              </a:ext>
+            </a:extLst>
+          </p:cNvPr>
+          <p:cNvSpPr txBox="1"/>
+          <p:nvPr/>
+        </p:nvSpPr>
+        <p:spPr>
+          <a:xfrm>
+            <a:off x="2955850" y="3666606"/>
+            <a:ext cx="272832" cy="307777"/>
+          </a:xfrm>
+          <a:prstGeom prst="rect">
+            <a:avLst/>
+          </a:prstGeom>
+          <a:noFill/>
+        </p:spPr>
+        <p:txBody>
+          <a:bodyPr wrap="none" rtlCol="0">
+            <a:spAutoFit/>
+          </a:bodyPr>
           <a:lstStyle/>
           <a:p>
             <a:pPr rtl="0"/>
             <a:r>
-              <a:rPr lang="es-ES" noProof="0" smtClean="0"/>
-              <a:t>Agregar un pie de página</a:t>
-            </a:r>
-            <a:endParaRPr lang="es-ES" noProof="0" dirty="0"/>
-          </a:p>
-        </p:txBody>
-      </p:sp>
-      <p:sp>
-        <p:nvSpPr>
-          <p:cNvPr id="7" name="Marcador de número de diapositiva 6"/>
+              <a:rPr lang="es-ES" sz="1400" dirty="0" smtClean="0">
+                <a:solidFill>
+                  <a:schemeClr val="bg1"/>
+                </a:solidFill>
+                <a:cs typeface="Calibri Light" panose="020F0302020204030204" pitchFamily="34" charset="0"/>
+              </a:rPr>
+              <a:t>E</a:t>
+            </a:r>
+            <a:endParaRPr lang="es-ES" sz="1400" dirty="0">
+              <a:solidFill>
+                <a:schemeClr val="bg1"/>
+              </a:solidFill>
+              <a:cs typeface="Calibri Light" panose="020F0302020204030204" pitchFamily="34" charset="0"/>
+            </a:endParaRPr>
+          </a:p>
+        </p:txBody>
+      </p:sp>
+      <p:sp>
+        <p:nvSpPr>
+          <p:cNvPr id="10" name="Elipse 9"/>
+          <p:cNvSpPr/>
+          <p:nvPr/>
+        </p:nvSpPr>
+        <p:spPr>
+          <a:xfrm>
+            <a:off x="11024419" y="199103"/>
+            <a:ext cx="921775" cy="693174"/>
+          </a:xfrm>
+          <a:prstGeom prst="ellipse">
+            <a:avLst/>
+          </a:prstGeom>
+          <a:ln>
+            <a:noFill/>
+          </a:ln>
+        </p:spPr>
+        <p:style>
+          <a:lnRef idx="2">
+            <a:schemeClr val="accent3">
+              <a:shade val="50000"/>
+            </a:schemeClr>
+          </a:lnRef>
+          <a:fillRef idx="1">
+            <a:schemeClr val="accent3"/>
+          </a:fillRef>
+          <a:effectRef idx="0">
+            <a:schemeClr val="accent3"/>
+          </a:effectRef>
+          <a:fontRef idx="minor">
+            <a:schemeClr val="lt1"/>
+          </a:fontRef>
+        </p:style>
+        <p:txBody>
+          <a:bodyPr rtlCol="0" anchor="ctr"/>
+          <a:lstStyle/>
+          <a:p>
+            <a:pPr algn="ctr"/>
+            <a:endParaRPr lang="gl-ES"/>
+          </a:p>
+        </p:txBody>
+      </p:sp>
+      <p:sp>
+        <p:nvSpPr>
+          <p:cNvPr id="2" name="Marcador de número de diapositiva 1"/>
           <p:cNvSpPr>
             <a:spLocks noGrp="1"/>
           </p:cNvSpPr>
@@ -14623,20 +15738,61 @@
               <a:rPr lang="es-ES" noProof="0" smtClean="0"/>
               <a:t>11</a:t>
             </a:fld>
+            <a:r>
+              <a:rPr lang="es-ES" noProof="0" dirty="0" smtClean="0"/>
+              <a:t>/14</a:t>
+            </a:r>
             <a:endParaRPr lang="es-ES" noProof="0" dirty="0"/>
           </a:p>
         </p:txBody>
       </p:sp>
+      <p:pic>
+        <p:nvPicPr>
+          <p:cNvPr id="4" name="Imagen 3"/>
+          <p:cNvPicPr>
+            <a:picLocks noChangeAspect="1"/>
+          </p:cNvPicPr>
+          <p:nvPr/>
+        </p:nvPicPr>
+        <p:blipFill>
+          <a:blip r:embed="rId3">
+            <a:extLst>
+              <a:ext uri="{28A0092B-C50C-407E-A947-70E740481C1C}">
+                <a14:useLocalDpi xmlns:a14="http://schemas.microsoft.com/office/drawing/2010/main" val="0"/>
+              </a:ext>
+            </a:extLst>
+          </a:blip>
+          <a:stretch>
+            <a:fillRect/>
+          </a:stretch>
+        </p:blipFill>
+        <p:spPr>
+          <a:xfrm>
+            <a:off x="3572307" y="3069004"/>
+            <a:ext cx="3788996" cy="3788996"/>
+          </a:xfrm>
+          <a:prstGeom prst="rect">
+            <a:avLst/>
+          </a:prstGeom>
+        </p:spPr>
+      </p:pic>
     </p:spTree>
     <p:extLst>
       <p:ext uri="{BB962C8B-B14F-4D97-AF65-F5344CB8AC3E}">
-        <p14:creationId xmlns:p14="http://schemas.microsoft.com/office/powerpoint/2010/main" val="2568853329"/>
+        <p14:creationId xmlns:p14="http://schemas.microsoft.com/office/powerpoint/2010/main" val="2260955757"/>
       </p:ext>
     </p:extLst>
   </p:cSld>
   <p:clrMapOvr>
     <a:masterClrMapping/>
   </p:clrMapOvr>
+  <p:timing>
+    <p:tnLst>
+      <p:par>
+        <p:cTn id="1" dur="indefinite" restart="never" nodeType="tmRoot"/>
+      </p:par>
+    </p:tnLst>
+  </p:timing>
 </p:sld>
 </file>
 
@@ -14659,6 +15815,98 @@
       </p:grpSpPr>
       <p:sp>
         <p:nvSpPr>
+          <p:cNvPr id="8" name="Rectángulo redondeado 7"/>
+          <p:cNvSpPr/>
+          <p:nvPr/>
+        </p:nvSpPr>
+        <p:spPr>
+          <a:xfrm>
+            <a:off x="2356338" y="3739662"/>
+            <a:ext cx="7872047" cy="1230923"/>
+          </a:xfrm>
+          <a:prstGeom prst="roundRect">
+            <a:avLst/>
+          </a:prstGeom>
+          <a:solidFill>
+            <a:srgbClr val="F16529"/>
+          </a:solidFill>
+          <a:ln>
+            <a:noFill/>
+          </a:ln>
+        </p:spPr>
+        <p:style>
+          <a:lnRef idx="2">
+            <a:schemeClr val="accent1">
+              <a:shade val="50000"/>
+            </a:schemeClr>
+          </a:lnRef>
+          <a:fillRef idx="1">
+            <a:schemeClr val="accent1"/>
+          </a:fillRef>
+          <a:effectRef idx="0">
+            <a:schemeClr val="accent1"/>
+          </a:effectRef>
+          <a:fontRef idx="minor">
+            <a:schemeClr val="lt1"/>
+          </a:fontRef>
+        </p:style>
+        <p:txBody>
+          <a:bodyPr rtlCol="0" anchor="ctr"/>
+          <a:lstStyle/>
+          <a:p>
+            <a:pPr algn="ctr"/>
+            <a:endParaRPr lang="gl-ES"/>
+          </a:p>
+        </p:txBody>
+      </p:sp>
+      <p:sp>
+        <p:nvSpPr>
+          <p:cNvPr id="2" name="Rectángulo redondeado 1"/>
+          <p:cNvSpPr/>
+          <p:nvPr/>
+        </p:nvSpPr>
+        <p:spPr>
+          <a:xfrm>
+            <a:off x="1430216" y="2508739"/>
+            <a:ext cx="6740770" cy="820616"/>
+          </a:xfrm>
+          <a:prstGeom prst="roundRect">
+            <a:avLst/>
+          </a:prstGeom>
+          <a:solidFill>
+            <a:srgbClr val="F16529"/>
+          </a:solidFill>
+          <a:ln>
+            <a:noFill/>
+          </a:ln>
+        </p:spPr>
+        <p:style>
+          <a:lnRef idx="2">
+            <a:schemeClr val="accent1">
+              <a:shade val="50000"/>
+            </a:schemeClr>
+          </a:lnRef>
+          <a:fillRef idx="1">
+            <a:schemeClr val="accent1"/>
+          </a:fillRef>
+          <a:effectRef idx="0">
+            <a:schemeClr val="accent1"/>
+          </a:effectRef>
+          <a:fontRef idx="minor">
+            <a:schemeClr val="lt1"/>
+          </a:fontRef>
+        </p:style>
+        <p:txBody>
+          <a:bodyPr rtlCol="0" anchor="ctr"/>
+          <a:lstStyle/>
+          <a:p>
+            <a:pPr algn="ctr"/>
+            <a:endParaRPr lang="gl-ES"/>
+          </a:p>
+        </p:txBody>
+      </p:sp>
+      <p:sp>
+        <p:nvSpPr>
           <p:cNvPr id="3" name="Marcador de contenido 2"/>
           <p:cNvSpPr>
             <a:spLocks noGrp="1"/>
@@ -14669,79 +15917,302 @@
         </p:nvSpPr>
         <p:spPr>
           <a:xfrm>
-            <a:off x="479759" y="2267766"/>
-            <a:ext cx="5788306" cy="3808569"/>
+            <a:off x="531388" y="1883930"/>
+            <a:ext cx="11355810" cy="3237279"/>
           </a:xfrm>
         </p:spPr>
         <p:txBody>
           <a:bodyPr>
-            <a:normAutofit/>
+            <a:normAutofit lnSpcReduction="10000"/>
           </a:bodyPr>
           <a:lstStyle/>
           <a:p>
             <a:r>
-              <a:rPr lang="gl-ES" dirty="0" smtClean="0"/>
-              <a:t>Incluír estatísticas </a:t>
-            </a:r>
-            <a:r>
-              <a:rPr lang="gl-ES" dirty="0"/>
-              <a:t>avanzadas como datos por 36 </a:t>
-            </a:r>
-            <a:r>
-              <a:rPr lang="gl-ES" dirty="0" smtClean="0"/>
-              <a:t>minutos o </a:t>
-            </a:r>
-            <a:r>
-              <a:rPr lang="gl-ES" dirty="0"/>
-              <a:t>por cada 100 posesións, que permiten </a:t>
-            </a:r>
-            <a:r>
-              <a:rPr lang="gl-ES" dirty="0" smtClean="0"/>
-              <a:t>análises máis precisos.</a:t>
-            </a:r>
+              <a:rPr lang="es-ES" dirty="0" err="1" smtClean="0"/>
+              <a:t>Exemplo</a:t>
+            </a:r>
+            <a:r>
+              <a:rPr lang="es-ES" dirty="0" smtClean="0"/>
+              <a:t> </a:t>
+            </a:r>
+            <a:r>
+              <a:rPr lang="es-ES" dirty="0" err="1" smtClean="0"/>
+              <a:t>sinxelo</a:t>
+            </a:r>
+            <a:r>
+              <a:rPr lang="es-ES" dirty="0" smtClean="0"/>
+              <a:t> do uso de </a:t>
+            </a:r>
+            <a:r>
+              <a:rPr lang="es-ES" dirty="0" err="1" smtClean="0"/>
+              <a:t>templates</a:t>
+            </a:r>
+            <a:endParaRPr lang="es-ES" dirty="0" smtClean="0"/>
+          </a:p>
+          <a:p>
+            <a:pPr marL="457200" lvl="1" indent="0">
+              <a:buNone/>
+            </a:pPr>
+            <a:endParaRPr lang="es-ES" dirty="0" smtClean="0"/>
+          </a:p>
+          <a:p>
+            <a:pPr marL="457200" lvl="1" indent="0">
+              <a:buNone/>
+            </a:pPr>
+            <a:r>
+              <a:rPr lang="es-ES" dirty="0" smtClean="0"/>
+              <a:t>	</a:t>
+            </a:r>
+            <a:r>
+              <a:rPr lang="es-ES" u="sng" dirty="0" smtClean="0">
+                <a:solidFill>
+                  <a:schemeClr val="bg1"/>
+                </a:solidFill>
+              </a:rPr>
+              <a:t>base.html</a:t>
+            </a:r>
+          </a:p>
+          <a:p>
+            <a:pPr marL="0" indent="0">
+              <a:buNone/>
+            </a:pPr>
+            <a:r>
+              <a:rPr lang="en-US" dirty="0" smtClean="0">
+                <a:solidFill>
+                  <a:schemeClr val="bg1"/>
+                </a:solidFill>
+              </a:rPr>
+              <a:t>		&lt;</a:t>
+            </a:r>
+            <a:r>
+              <a:rPr lang="en-US" dirty="0">
+                <a:solidFill>
+                  <a:schemeClr val="bg1"/>
+                </a:solidFill>
+              </a:rPr>
+              <a:t>title&gt;{% block title %}{% </a:t>
+            </a:r>
+            <a:r>
+              <a:rPr lang="en-US" dirty="0" err="1">
+                <a:solidFill>
+                  <a:schemeClr val="bg1"/>
+                </a:solidFill>
+              </a:rPr>
+              <a:t>endblock</a:t>
+            </a:r>
+            <a:r>
+              <a:rPr lang="en-US" dirty="0">
+                <a:solidFill>
+                  <a:schemeClr val="bg1"/>
+                </a:solidFill>
+              </a:rPr>
+              <a:t> %}&lt;/title</a:t>
+            </a:r>
+            <a:r>
+              <a:rPr lang="en-US" dirty="0" smtClean="0">
+                <a:solidFill>
+                  <a:schemeClr val="bg1"/>
+                </a:solidFill>
+              </a:rPr>
+              <a:t>&gt;</a:t>
+            </a:r>
+          </a:p>
+          <a:p>
+            <a:pPr marL="0" indent="0">
+              <a:buNone/>
+            </a:pPr>
+            <a:endParaRPr lang="en-US" dirty="0" smtClean="0"/>
+          </a:p>
+          <a:p>
+            <a:pPr marL="0" indent="0">
+              <a:buNone/>
+            </a:pPr>
+            <a:r>
+              <a:rPr lang="en-US" sz="2000" dirty="0"/>
+              <a:t>	</a:t>
+            </a:r>
+            <a:r>
+              <a:rPr lang="en-US" sz="2000" dirty="0" smtClean="0"/>
+              <a:t>	</a:t>
+            </a:r>
+            <a:r>
+              <a:rPr lang="en-US" sz="2000" u="sng" dirty="0" smtClean="0">
+                <a:solidFill>
+                  <a:schemeClr val="bg1"/>
+                </a:solidFill>
+              </a:rPr>
+              <a:t>equipos.html</a:t>
+            </a:r>
+            <a:endParaRPr lang="en-US" sz="2000" u="sng" dirty="0" smtClean="0">
+              <a:solidFill>
+                <a:schemeClr val="bg1"/>
+              </a:solidFill>
+            </a:endParaRPr>
+          </a:p>
+          <a:p>
+            <a:pPr marL="0" indent="0">
+              <a:buNone/>
+            </a:pPr>
+            <a:r>
+              <a:rPr lang="gl-ES" dirty="0" smtClean="0">
+                <a:solidFill>
+                  <a:schemeClr val="bg1"/>
+                </a:solidFill>
+              </a:rPr>
+              <a:t>		</a:t>
+            </a:r>
+            <a:r>
+              <a:rPr lang="gl-ES" dirty="0" smtClean="0">
+                <a:solidFill>
+                  <a:schemeClr val="bg1"/>
+                </a:solidFill>
+              </a:rPr>
+              <a:t>	{% </a:t>
+            </a:r>
+            <a:r>
+              <a:rPr lang="gl-ES" dirty="0" err="1">
+                <a:solidFill>
+                  <a:schemeClr val="bg1"/>
+                </a:solidFill>
+              </a:rPr>
+              <a:t>extends</a:t>
+            </a:r>
+            <a:r>
+              <a:rPr lang="gl-ES" dirty="0">
+                <a:solidFill>
+                  <a:schemeClr val="bg1"/>
+                </a:solidFill>
+              </a:rPr>
+              <a:t> "base.html" %}</a:t>
+            </a:r>
+          </a:p>
+          <a:p>
+            <a:pPr marL="0" indent="0">
+              <a:buNone/>
+            </a:pPr>
+            <a:r>
+              <a:rPr lang="en-US" sz="2000" dirty="0">
+                <a:solidFill>
+                  <a:schemeClr val="bg1"/>
+                </a:solidFill>
+              </a:rPr>
+              <a:t>	</a:t>
+            </a:r>
+            <a:r>
+              <a:rPr lang="en-US" sz="2000" dirty="0" smtClean="0">
+                <a:solidFill>
+                  <a:schemeClr val="bg1"/>
+                </a:solidFill>
+              </a:rPr>
+              <a:t>	</a:t>
+            </a:r>
+            <a:r>
+              <a:rPr lang="en-US" sz="2000" dirty="0" smtClean="0">
+                <a:solidFill>
+                  <a:schemeClr val="bg1"/>
+                </a:solidFill>
+              </a:rPr>
+              <a:t>	</a:t>
+            </a:r>
+            <a:r>
+              <a:rPr lang="gl-ES" dirty="0" smtClean="0">
+                <a:solidFill>
+                  <a:schemeClr val="bg1"/>
+                </a:solidFill>
+              </a:rPr>
+              <a:t>{% </a:t>
+            </a:r>
+            <a:r>
+              <a:rPr lang="gl-ES" dirty="0" err="1">
+                <a:solidFill>
+                  <a:schemeClr val="bg1"/>
+                </a:solidFill>
+              </a:rPr>
+              <a:t>block</a:t>
+            </a:r>
+            <a:r>
+              <a:rPr lang="gl-ES" dirty="0">
+                <a:solidFill>
+                  <a:schemeClr val="bg1"/>
+                </a:solidFill>
+              </a:rPr>
+              <a:t> </a:t>
+            </a:r>
+            <a:r>
+              <a:rPr lang="gl-ES" dirty="0" err="1">
+                <a:solidFill>
+                  <a:schemeClr val="bg1"/>
+                </a:solidFill>
+              </a:rPr>
+              <a:t>title</a:t>
+            </a:r>
+            <a:r>
+              <a:rPr lang="gl-ES" dirty="0">
+                <a:solidFill>
+                  <a:schemeClr val="bg1"/>
+                </a:solidFill>
+              </a:rPr>
+              <a:t> </a:t>
+            </a:r>
+            <a:r>
+              <a:rPr lang="gl-ES" dirty="0" smtClean="0">
+                <a:solidFill>
+                  <a:schemeClr val="bg1"/>
+                </a:solidFill>
+              </a:rPr>
+              <a:t>%}</a:t>
+            </a:r>
+            <a:r>
+              <a:rPr lang="gl-ES" dirty="0" err="1" smtClean="0">
+                <a:solidFill>
+                  <a:schemeClr val="bg1"/>
+                </a:solidFill>
+              </a:rPr>
+              <a:t>Estadísticas</a:t>
+            </a:r>
+            <a:r>
+              <a:rPr lang="gl-ES" dirty="0" smtClean="0">
+                <a:solidFill>
+                  <a:schemeClr val="bg1"/>
+                </a:solidFill>
+              </a:rPr>
+              <a:t> de equipos{% </a:t>
+            </a:r>
+            <a:r>
+              <a:rPr lang="gl-ES" dirty="0" err="1">
+                <a:solidFill>
+                  <a:schemeClr val="bg1"/>
+                </a:solidFill>
+              </a:rPr>
+              <a:t>endblock</a:t>
+            </a:r>
+            <a:r>
+              <a:rPr lang="gl-ES" dirty="0">
+                <a:solidFill>
+                  <a:schemeClr val="bg1"/>
+                </a:solidFill>
+              </a:rPr>
+              <a:t> %}</a:t>
+            </a:r>
+          </a:p>
+          <a:p>
+            <a:pPr marL="0" indent="0">
+              <a:buNone/>
+            </a:pPr>
+            <a:endParaRPr lang="en-US" sz="2000" dirty="0">
+              <a:solidFill>
+                <a:schemeClr val="bg1"/>
+              </a:solidFill>
+            </a:endParaRPr>
+          </a:p>
+          <a:p>
             <a:endParaRPr lang="gl-ES" dirty="0"/>
           </a:p>
-          <a:p>
-            <a:r>
-              <a:rPr lang="gl-ES" dirty="0" smtClean="0"/>
-              <a:t>Ter acceso </a:t>
-            </a:r>
-            <a:r>
-              <a:rPr lang="gl-ES" dirty="0"/>
-              <a:t>ás fotografías de perfil de cada </a:t>
-            </a:r>
-            <a:r>
-              <a:rPr lang="gl-ES" dirty="0" smtClean="0"/>
-              <a:t>xogador.</a:t>
-            </a:r>
-            <a:endParaRPr lang="gl-ES" dirty="0"/>
-          </a:p>
-          <a:p>
-            <a:r>
-              <a:rPr lang="gl-ES" dirty="0" smtClean="0"/>
-              <a:t>Resumos </a:t>
-            </a:r>
-            <a:r>
-              <a:rPr lang="gl-ES" dirty="0"/>
-              <a:t>oficias dos partidos para ofrecer unha experiencia máis completa </a:t>
-            </a:r>
-            <a:r>
-              <a:rPr lang="gl-ES" dirty="0" smtClean="0"/>
-              <a:t>sen necesidade de saír da aplicación.</a:t>
-            </a:r>
-            <a:endParaRPr lang="gl-ES" dirty="0"/>
-          </a:p>
-        </p:txBody>
-      </p:sp>
-      <p:sp>
-        <p:nvSpPr>
-          <p:cNvPr id="4" name="Título 3">
-            <a:extLst>
-              <a:ext uri="{FF2B5EF4-FFF2-40B4-BE49-F238E27FC236}">
-                <a16:creationId xmlns:a16="http://schemas.microsoft.com/office/drawing/2014/main" id="{E98DCA46-603B-4178-8707-30E192CE6B8D}"/>
-              </a:ext>
-            </a:extLst>
-          </p:cNvPr>
+        </p:txBody>
+      </p:sp>
+      <p:sp>
+        <p:nvSpPr>
+          <p:cNvPr id="5" name="Título 4"/>
           <p:cNvSpPr>
             <a:spLocks noGrp="1"/>
           </p:cNvSpPr>
@@ -14751,61 +16222,25 @@
         </p:nvSpPr>
         <p:spPr>
           <a:xfrm>
-            <a:off x="479759" y="729570"/>
+            <a:off x="531388" y="389360"/>
             <a:ext cx="7342622" cy="1215566"/>
           </a:xfrm>
         </p:spPr>
         <p:txBody>
-          <a:bodyPr rtlCol="0"/>
+          <a:bodyPr/>
           <a:lstStyle/>
           <a:p>
-            <a:pPr rtl="0"/>
-            <a:r>
-              <a:rPr lang="es-ES" dirty="0" smtClean="0"/>
-              <a:t>Futuras </a:t>
-            </a:r>
             <a:r>
               <a:rPr lang="es-ES" dirty="0" err="1" smtClean="0"/>
-              <a:t>melloras</a:t>
-            </a:r>
-            <a:endParaRPr lang="es-ES" dirty="0"/>
-          </a:p>
-        </p:txBody>
-      </p:sp>
-      <p:pic>
-        <p:nvPicPr>
-          <p:cNvPr id="7" name="Marcador de posición de imagen 6"/>
-          <p:cNvPicPr>
-            <a:picLocks noGrp="1" noChangeAspect="1"/>
-          </p:cNvPicPr>
-          <p:nvPr>
-            <p:ph type="pic" sz="quarter" idx="10"/>
-          </p:nvPr>
-        </p:nvPicPr>
-        <p:blipFill>
-          <a:blip r:embed="rId3">
-            <a:extLst>
-              <a:ext uri="{28A0092B-C50C-407E-A947-70E740481C1C}">
-                <a14:useLocalDpi xmlns:a14="http://schemas.microsoft.com/office/drawing/2010/main" val="0"/>
-              </a:ext>
-            </a:extLst>
-          </a:blip>
-          <a:srcRect l="28111" r="28111"/>
-          <a:stretch>
-            <a:fillRect/>
-          </a:stretch>
-        </p:blipFill>
-        <p:spPr/>
-      </p:pic>
-      <p:sp>
-        <p:nvSpPr>
-          <p:cNvPr id="2" name="Marcador de número de diapositiva 1">
-            <a:extLst>
-              <a:ext uri="{FF2B5EF4-FFF2-40B4-BE49-F238E27FC236}">
-                <a16:creationId xmlns:a16="http://schemas.microsoft.com/office/drawing/2014/main" id="{CD4BD05F-6F41-4DC6-98B4-D58BCFF6D692}"/>
-              </a:ext>
-            </a:extLst>
-          </p:cNvPr>
+              <a:t>Templates</a:t>
+            </a:r>
+            <a:endParaRPr lang="gl-ES" dirty="0"/>
+          </a:p>
+        </p:txBody>
+      </p:sp>
+      <p:sp>
+        <p:nvSpPr>
+          <p:cNvPr id="7" name="Marcador de número de diapositiva 6"/>
           <p:cNvSpPr>
             <a:spLocks noGrp="1"/>
           </p:cNvSpPr>
@@ -14815,28 +16250,115 @@
         </p:nvSpPr>
         <p:spPr/>
         <p:txBody>
-          <a:bodyPr rtlCol="0"/>
+          <a:bodyPr/>
           <a:lstStyle/>
           <a:p>
             <a:pPr rtl="0"/>
             <a:fld id="{8699F50C-BE38-4BD0-BA84-9B090E1F2B9B}" type="slidenum">
-              <a:rPr lang="es-ES" smtClean="0"/>
+              <a:rPr lang="es-ES" noProof="0" smtClean="0"/>
               <a:t>12</a:t>
             </a:fld>
-            <a:endParaRPr lang="es-ES" dirty="0"/>
+            <a:r>
+              <a:rPr lang="es-ES" noProof="0" dirty="0" smtClean="0"/>
+              <a:t>/14</a:t>
+            </a:r>
+            <a:endParaRPr lang="es-ES" noProof="0" dirty="0"/>
+          </a:p>
+        </p:txBody>
+      </p:sp>
+      <p:pic>
+        <p:nvPicPr>
+          <p:cNvPr id="12" name="Imagen 11"/>
+          <p:cNvPicPr>
+            <a:picLocks noChangeAspect="1"/>
+          </p:cNvPicPr>
+          <p:nvPr/>
+        </p:nvPicPr>
+        <p:blipFill>
+          <a:blip r:embed="rId2">
+            <a:extLst>
+              <a:ext uri="{28A0092B-C50C-407E-A947-70E740481C1C}">
+                <a14:useLocalDpi xmlns:a14="http://schemas.microsoft.com/office/drawing/2010/main" val="0"/>
+              </a:ext>
+            </a:extLst>
+          </a:blip>
+          <a:stretch>
+            <a:fillRect/>
+          </a:stretch>
+        </p:blipFill>
+        <p:spPr>
+          <a:xfrm>
+            <a:off x="8095151" y="5185087"/>
+            <a:ext cx="3051820" cy="1401440"/>
+          </a:xfrm>
+          <a:prstGeom prst="rect">
+            <a:avLst/>
+          </a:prstGeom>
+        </p:spPr>
+      </p:pic>
+      <p:sp>
+        <p:nvSpPr>
+          <p:cNvPr id="9" name="Flecha doblada hacia arriba 8"/>
+          <p:cNvSpPr/>
+          <p:nvPr/>
+        </p:nvSpPr>
+        <p:spPr>
+          <a:xfrm rot="5400000">
+            <a:off x="1315914" y="3519853"/>
+            <a:ext cx="1301262" cy="779585"/>
+          </a:xfrm>
+          <a:prstGeom prst="bentUpArrow">
+            <a:avLst/>
+          </a:prstGeom>
+          <a:solidFill>
+            <a:srgbClr val="F16529"/>
+          </a:solidFill>
+          <a:ln>
+            <a:noFill/>
+          </a:ln>
+        </p:spPr>
+        <p:style>
+          <a:lnRef idx="2">
+            <a:schemeClr val="accent1">
+              <a:shade val="50000"/>
+            </a:schemeClr>
+          </a:lnRef>
+          <a:fillRef idx="1">
+            <a:schemeClr val="accent1"/>
+          </a:fillRef>
+          <a:effectRef idx="0">
+            <a:schemeClr val="accent1"/>
+          </a:effectRef>
+          <a:fontRef idx="minor">
+            <a:schemeClr val="lt1"/>
+          </a:fontRef>
+        </p:style>
+        <p:txBody>
+          <a:bodyPr rtlCol="0" anchor="ctr"/>
+          <a:lstStyle/>
+          <a:p>
+            <a:pPr algn="ctr"/>
+            <a:endParaRPr lang="gl-ES"/>
           </a:p>
         </p:txBody>
       </p:sp>
     </p:spTree>
     <p:extLst>
       <p:ext uri="{BB962C8B-B14F-4D97-AF65-F5344CB8AC3E}">
-        <p14:creationId xmlns:p14="http://schemas.microsoft.com/office/powerpoint/2010/main" val="59582380"/>
+        <p14:creationId xmlns:p14="http://schemas.microsoft.com/office/powerpoint/2010/main" val="1154382320"/>
       </p:ext>
     </p:extLst>
   </p:cSld>
   <p:clrMapOvr>
     <a:masterClrMapping/>
   </p:clrMapOvr>
+  <p:timing>
+    <p:tnLst>
+      <p:par>
+        <p:cTn id="1" dur="indefinite" restart="never" nodeType="tmRoot"/>
+      </p:par>
+    </p:tnLst>
+  </p:timing>
 </p:sld>
 </file>
 
@@ -14859,6 +16381,262 @@
       </p:grpSpPr>
       <p:sp>
         <p:nvSpPr>
+          <p:cNvPr id="3" name="Marcador de contenido 2"/>
+          <p:cNvSpPr>
+            <a:spLocks noGrp="1"/>
+          </p:cNvSpPr>
+          <p:nvPr>
+            <p:ph idx="1"/>
+          </p:nvPr>
+        </p:nvSpPr>
+        <p:spPr>
+          <a:xfrm>
+            <a:off x="479759" y="2267766"/>
+            <a:ext cx="6284456" cy="4088584"/>
+          </a:xfrm>
+        </p:spPr>
+        <p:txBody>
+          <a:bodyPr>
+            <a:normAutofit/>
+          </a:bodyPr>
+          <a:lstStyle/>
+          <a:p>
+            <a:r>
+              <a:rPr lang="gl-ES" dirty="0" smtClean="0"/>
+              <a:t>Ofrecer </a:t>
+            </a:r>
+            <a:r>
+              <a:rPr lang="gl-ES" dirty="0"/>
+              <a:t>unha experiencia máis completa sen necesidade </a:t>
+            </a:r>
+            <a:r>
+              <a:rPr lang="gl-ES" dirty="0" smtClean="0"/>
+              <a:t>de acudir a outras páxinas.</a:t>
+            </a:r>
+          </a:p>
+          <a:p>
+            <a:pPr marL="0" indent="0">
+              <a:buNone/>
+            </a:pPr>
+            <a:endParaRPr lang="gl-ES" dirty="0" smtClean="0"/>
+          </a:p>
+          <a:p>
+            <a:pPr lvl="1"/>
+            <a:r>
+              <a:rPr lang="gl-ES" dirty="0" smtClean="0"/>
+              <a:t>Incluír </a:t>
+            </a:r>
+            <a:r>
+              <a:rPr lang="gl-ES" dirty="0" smtClean="0"/>
+              <a:t>estatísticas </a:t>
+            </a:r>
+            <a:r>
+              <a:rPr lang="gl-ES" dirty="0"/>
+              <a:t>avanzadas como datos por 36 </a:t>
+            </a:r>
+            <a:r>
+              <a:rPr lang="gl-ES" dirty="0" smtClean="0"/>
+              <a:t>minutos o </a:t>
+            </a:r>
+            <a:r>
+              <a:rPr lang="gl-ES" dirty="0"/>
+              <a:t>por cada 100 posesións, que permiten </a:t>
+            </a:r>
+            <a:r>
+              <a:rPr lang="gl-ES" dirty="0" smtClean="0"/>
+              <a:t>análises máis precisos</a:t>
+            </a:r>
+            <a:r>
+              <a:rPr lang="gl-ES" dirty="0" smtClean="0"/>
+              <a:t>.</a:t>
+            </a:r>
+          </a:p>
+          <a:p>
+            <a:pPr marL="457200" lvl="1" indent="0">
+              <a:buNone/>
+            </a:pPr>
+            <a:endParaRPr lang="gl-ES" dirty="0"/>
+          </a:p>
+          <a:p>
+            <a:pPr lvl="1"/>
+            <a:r>
+              <a:rPr lang="gl-ES" dirty="0" smtClean="0"/>
+              <a:t>Ter acceso </a:t>
+            </a:r>
+            <a:r>
+              <a:rPr lang="gl-ES" dirty="0"/>
+              <a:t>ás fotografías de perfil de cada </a:t>
+            </a:r>
+            <a:r>
+              <a:rPr lang="gl-ES" dirty="0" smtClean="0"/>
+              <a:t>xogador</a:t>
+            </a:r>
+            <a:r>
+              <a:rPr lang="gl-ES" dirty="0" smtClean="0"/>
+              <a:t>.</a:t>
+            </a:r>
+          </a:p>
+          <a:p>
+            <a:pPr marL="457200" lvl="1" indent="0">
+              <a:buNone/>
+            </a:pPr>
+            <a:endParaRPr lang="gl-ES" dirty="0"/>
+          </a:p>
+          <a:p>
+            <a:pPr lvl="1"/>
+            <a:r>
+              <a:rPr lang="gl-ES" dirty="0" smtClean="0"/>
+              <a:t>Resumos </a:t>
+            </a:r>
+            <a:r>
+              <a:rPr lang="gl-ES" dirty="0"/>
+              <a:t>oficias dos </a:t>
+            </a:r>
+            <a:r>
+              <a:rPr lang="gl-ES" dirty="0" smtClean="0"/>
+              <a:t>partidos.</a:t>
+            </a:r>
+            <a:endParaRPr lang="gl-ES" dirty="0"/>
+          </a:p>
+        </p:txBody>
+      </p:sp>
+      <p:sp>
+        <p:nvSpPr>
+          <p:cNvPr id="4" name="Título 3">
+            <a:extLst>
+              <a:ext uri="{FF2B5EF4-FFF2-40B4-BE49-F238E27FC236}">
+                <a16:creationId xmlns:a16="http://schemas.microsoft.com/office/drawing/2014/main" id="{E98DCA46-603B-4178-8707-30E192CE6B8D}"/>
+              </a:ext>
+            </a:extLst>
+          </p:cNvPr>
+          <p:cNvSpPr>
+            <a:spLocks noGrp="1"/>
+          </p:cNvSpPr>
+          <p:nvPr>
+            <p:ph type="title"/>
+          </p:nvPr>
+        </p:nvSpPr>
+        <p:spPr>
+          <a:xfrm>
+            <a:off x="479759" y="729570"/>
+            <a:ext cx="7342622" cy="1215566"/>
+          </a:xfrm>
+        </p:spPr>
+        <p:txBody>
+          <a:bodyPr rtlCol="0"/>
+          <a:lstStyle/>
+          <a:p>
+            <a:pPr rtl="0"/>
+            <a:r>
+              <a:rPr lang="es-ES" dirty="0" smtClean="0"/>
+              <a:t>Futuras </a:t>
+            </a:r>
+            <a:r>
+              <a:rPr lang="es-ES" dirty="0" err="1" smtClean="0"/>
+              <a:t>melloras</a:t>
+            </a:r>
+            <a:endParaRPr lang="es-ES" dirty="0"/>
+          </a:p>
+        </p:txBody>
+      </p:sp>
+      <p:pic>
+        <p:nvPicPr>
+          <p:cNvPr id="7" name="Marcador de posición de imagen 6"/>
+          <p:cNvPicPr>
+            <a:picLocks noGrp="1" noChangeAspect="1"/>
+          </p:cNvPicPr>
+          <p:nvPr>
+            <p:ph type="pic" sz="quarter" idx="10"/>
+          </p:nvPr>
+        </p:nvPicPr>
+        <p:blipFill>
+          <a:blip r:embed="rId3">
+            <a:extLst>
+              <a:ext uri="{28A0092B-C50C-407E-A947-70E740481C1C}">
+                <a14:useLocalDpi xmlns:a14="http://schemas.microsoft.com/office/drawing/2010/main" val="0"/>
+              </a:ext>
+            </a:extLst>
+          </a:blip>
+          <a:srcRect l="28111" r="28111"/>
+          <a:stretch>
+            <a:fillRect/>
+          </a:stretch>
+        </p:blipFill>
+        <p:spPr/>
+      </p:pic>
+      <p:sp>
+        <p:nvSpPr>
+          <p:cNvPr id="2" name="Marcador de número de diapositiva 1">
+            <a:extLst>
+              <a:ext uri="{FF2B5EF4-FFF2-40B4-BE49-F238E27FC236}">
+                <a16:creationId xmlns:a16="http://schemas.microsoft.com/office/drawing/2014/main" id="{CD4BD05F-6F41-4DC6-98B4-D58BCFF6D692}"/>
+              </a:ext>
+            </a:extLst>
+          </p:cNvPr>
+          <p:cNvSpPr>
+            <a:spLocks noGrp="1"/>
+          </p:cNvSpPr>
+          <p:nvPr>
+            <p:ph type="sldNum" sz="quarter" idx="15"/>
+          </p:nvPr>
+        </p:nvSpPr>
+        <p:spPr/>
+        <p:txBody>
+          <a:bodyPr rtlCol="0"/>
+          <a:lstStyle/>
+          <a:p>
+            <a:pPr rtl="0"/>
+            <a:fld id="{8699F50C-BE38-4BD0-BA84-9B090E1F2B9B}" type="slidenum">
+              <a:rPr lang="es-ES" smtClean="0"/>
+              <a:t>13</a:t>
+            </a:fld>
+            <a:r>
+              <a:rPr lang="es-ES" dirty="0" smtClean="0"/>
+              <a:t>/14</a:t>
+            </a:r>
+            <a:endParaRPr lang="es-ES" dirty="0"/>
+          </a:p>
+        </p:txBody>
+      </p:sp>
+    </p:spTree>
+    <p:extLst>
+      <p:ext uri="{BB962C8B-B14F-4D97-AF65-F5344CB8AC3E}">
+        <p14:creationId xmlns:p14="http://schemas.microsoft.com/office/powerpoint/2010/main" val="59582380"/>
+      </p:ext>
+    </p:extLst>
+  </p:cSld>
+  <p:clrMapOvr>
+    <a:masterClrMapping/>
+  </p:clrMapOvr>
+  <p:timing>
+    <p:tnLst>
+      <p:par>
+        <p:cTn id="1" dur="indefinite" restart="never" nodeType="tmRoot"/>
+      </p:par>
+    </p:tnLst>
+  </p:timing>
+</p:sld>
+</file>
+
+<file path=ppt/slides/slide14.xml><?xml version="1.0" encoding="utf-8"?>
+<p:sld xmlns:a="http://schemas.openxmlformats.org/drawingml/2006/main" xmlns:r="http://schemas.openxmlformats.org/officeDocument/2006/relationships" xmlns:p="http://schemas.openxmlformats.org/presentationml/2006/main">
+  <p:cSld>
+    <p:spTree>
+      <p:nvGrpSpPr>
+        <p:cNvPr id="1" name=""/>
+        <p:cNvGrpSpPr/>
+        <p:nvPr/>
+      </p:nvGrpSpPr>
+      <p:grpSpPr>
+        <a:xfrm>
+          <a:off x="0" y="0"/>
+          <a:ext cx="0" cy="0"/>
+          <a:chOff x="0" y="0"/>
+          <a:chExt cx="0" cy="0"/>
+        </a:xfrm>
+      </p:grpSpPr>
+      <p:sp>
+        <p:nvSpPr>
           <p:cNvPr id="10" name="Marcador de texto 9"/>
           <p:cNvSpPr>
             <a:spLocks noGrp="1"/>
@@ -14887,35 +16665,6 @@
       </p:sp>
       <p:sp>
         <p:nvSpPr>
-          <p:cNvPr id="6" name="Marcador de pie de página 5"/>
-          <p:cNvSpPr>
-            <a:spLocks noGrp="1"/>
-          </p:cNvSpPr>
-          <p:nvPr>
-            <p:ph type="ftr" sz="quarter" idx="4294967295"/>
-          </p:nvPr>
-        </p:nvSpPr>
-        <p:spPr>
-          <a:xfrm>
-            <a:off x="0" y="6356350"/>
-            <a:ext cx="4114800" cy="365125"/>
-          </a:xfrm>
-        </p:spPr>
-        <p:txBody>
-          <a:bodyPr/>
-          <a:lstStyle/>
-          <a:p>
-            <a:pPr rtl="0"/>
-            <a:r>
-              <a:rPr lang="es-ES" noProof="0" smtClean="0"/>
-              <a:t>Agregar un pie de página</a:t>
-            </a:r>
-            <a:endParaRPr lang="es-ES" noProof="0" dirty="0"/>
-          </a:p>
-        </p:txBody>
-      </p:sp>
-      <p:sp>
-        <p:nvSpPr>
           <p:cNvPr id="7" name="Marcador de número de diapositiva 6"/>
           <p:cNvSpPr>
             <a:spLocks noGrp="1"/>
@@ -14926,7 +16675,7 @@
         </p:nvSpPr>
         <p:spPr>
           <a:xfrm>
-            <a:off x="11452225" y="6356350"/>
+            <a:off x="11288102" y="6391519"/>
             <a:ext cx="739775" cy="365125"/>
           </a:xfrm>
         </p:spPr>
@@ -14937,8 +16686,12 @@
             <a:pPr rtl="0"/>
             <a:fld id="{8699F50C-BE38-4BD0-BA84-9B090E1F2B9B}" type="slidenum">
               <a:rPr lang="es-ES" noProof="0" smtClean="0"/>
-              <a:t>13</a:t>
+              <a:t>14</a:t>
             </a:fld>
+            <a:r>
+              <a:rPr lang="es-ES" noProof="0" dirty="0" smtClean="0"/>
+              <a:t>/14</a:t>
+            </a:r>
             <a:endParaRPr lang="es-ES" noProof="0" dirty="0"/>
           </a:p>
         </p:txBody>
@@ -15054,6 +16807,13 @@
   <p:clrMapOvr>
     <a:masterClrMapping/>
   </p:clrMapOvr>
+  <p:timing>
+    <p:tnLst>
+      <p:par>
+        <p:cTn id="1" dur="indefinite" restart="never" nodeType="tmRoot"/>
+      </p:par>
+    </p:tnLst>
+  </p:timing>
 </p:sld>
 </file>
 
@@ -15084,12 +16844,20 @@
             <p:ph idx="1"/>
           </p:nvPr>
         </p:nvSpPr>
-        <p:spPr/>
+        <p:spPr>
+          <a:xfrm>
+            <a:off x="414147" y="2077361"/>
+            <a:ext cx="5517730" cy="3801762"/>
+          </a:xfrm>
+        </p:spPr>
         <p:txBody>
           <a:bodyPr/>
           <a:lstStyle/>
           <a:p>
             <a:pPr marL="457200" indent="-457200">
+              <a:lnSpc>
+                <a:spcPct val="150000"/>
+              </a:lnSpc>
               <a:buFont typeface="+mj-lt"/>
               <a:buAutoNum type="arabicPeriod"/>
             </a:pPr>
@@ -15100,6 +16868,9 @@
           </a:p>
           <a:p>
             <a:pPr marL="457200" indent="-457200">
+              <a:lnSpc>
+                <a:spcPct val="150000"/>
+              </a:lnSpc>
               <a:buFont typeface="+mj-lt"/>
               <a:buAutoNum type="arabicPeriod"/>
             </a:pPr>
@@ -15110,6 +16881,9 @@
           </a:p>
           <a:p>
             <a:pPr marL="457200" indent="-457200">
+              <a:lnSpc>
+                <a:spcPct val="150000"/>
+              </a:lnSpc>
               <a:buFont typeface="+mj-lt"/>
               <a:buAutoNum type="arabicPeriod"/>
             </a:pPr>
@@ -15120,6 +16894,9 @@
           </a:p>
           <a:p>
             <a:pPr marL="457200" indent="-457200">
+              <a:lnSpc>
+                <a:spcPct val="150000"/>
+              </a:lnSpc>
               <a:buFont typeface="+mj-lt"/>
               <a:buAutoNum type="arabicPeriod"/>
             </a:pPr>
@@ -15130,16 +16907,15 @@
           </a:p>
           <a:p>
             <a:pPr marL="457200" indent="-457200">
+              <a:lnSpc>
+                <a:spcPct val="150000"/>
+              </a:lnSpc>
               <a:buFont typeface="+mj-lt"/>
               <a:buAutoNum type="arabicPeriod"/>
             </a:pPr>
             <a:r>
               <a:rPr lang="es-ES" dirty="0" smtClean="0"/>
-              <a:t>Futuras </a:t>
-            </a:r>
-            <a:r>
-              <a:rPr lang="es-ES" dirty="0" smtClean="0"/>
-              <a:t>melloras</a:t>
+              <a:t>Futuras melloras</a:t>
             </a:r>
             <a:endParaRPr lang="es-ES" dirty="0"/>
           </a:p>
@@ -15161,22 +16937,23 @@
             <p:ph type="title"/>
           </p:nvPr>
         </p:nvSpPr>
-        <p:spPr/>
+        <p:spPr>
+          <a:xfrm>
+            <a:off x="414147" y="769222"/>
+            <a:ext cx="7342622" cy="1215566"/>
+          </a:xfrm>
+        </p:spPr>
         <p:txBody>
           <a:bodyPr rtlCol="0"/>
           <a:lstStyle/>
           <a:p>
             <a:pPr rtl="0"/>
             <a:r>
-              <a:rPr lang="es-ES" b="0" dirty="0" smtClean="0">
-                <a:latin typeface="Calibri Light" panose="020F0302020204030204" pitchFamily="34" charset="0"/>
-              </a:rPr>
+              <a:rPr lang="es-ES" dirty="0" smtClean="0"/>
               <a:t>Índice de </a:t>
             </a:r>
             <a:r>
-              <a:rPr lang="gl-ES" b="0" dirty="0" smtClean="0">
-                <a:latin typeface="Calibri Light" panose="020F0302020204030204" pitchFamily="34" charset="0"/>
-              </a:rPr>
+              <a:rPr lang="gl-ES" dirty="0" smtClean="0"/>
               <a:t>contidos</a:t>
             </a:r>
             <a:endParaRPr lang="gl-ES" dirty="0"/>
@@ -15208,6 +16985,34 @@
         </p:blipFill>
         <p:spPr/>
       </p:pic>
+      <p:sp>
+        <p:nvSpPr>
+          <p:cNvPr id="2" name="Marcador de número de diapositiva 1"/>
+          <p:cNvSpPr>
+            <a:spLocks noGrp="1"/>
+          </p:cNvSpPr>
+          <p:nvPr>
+            <p:ph type="sldNum" sz="quarter" idx="15"/>
+          </p:nvPr>
+        </p:nvSpPr>
+        <p:spPr/>
+        <p:txBody>
+          <a:bodyPr/>
+          <a:lstStyle/>
+          <a:p>
+            <a:pPr rtl="0"/>
+            <a:fld id="{8699F50C-BE38-4BD0-BA84-9B090E1F2B9B}" type="slidenum">
+              <a:rPr lang="es-ES" noProof="0" smtClean="0"/>
+              <a:t>2</a:t>
+            </a:fld>
+            <a:r>
+              <a:rPr lang="es-ES" noProof="0" dirty="0" smtClean="0"/>
+              <a:t>/14</a:t>
+            </a:r>
+            <a:endParaRPr lang="es-ES" noProof="0" dirty="0"/>
+          </a:p>
+        </p:txBody>
+      </p:sp>
     </p:spTree>
     <p:extLst>
       <p:ext uri="{BB962C8B-B14F-4D97-AF65-F5344CB8AC3E}">
@@ -15263,8 +17068,8 @@
         </p:nvSpPr>
         <p:spPr>
           <a:xfrm>
-            <a:off x="531378" y="2693575"/>
-            <a:ext cx="4942829" cy="2958275"/>
+            <a:off x="531379" y="2183621"/>
+            <a:ext cx="5001914" cy="3402425"/>
           </a:xfrm>
         </p:spPr>
         <p:txBody>
@@ -15273,89 +17078,99 @@
           </a:bodyPr>
           <a:lstStyle/>
           <a:p>
-            <a:pPr marL="0" lvl="0" indent="0" algn="just">
+            <a:pPr algn="just"/>
+            <a:r>
+              <a:rPr lang="pt-BR" sz="2000" dirty="0"/>
+              <a:t>A NBA é a liga nacional de </a:t>
+            </a:r>
+            <a:r>
+              <a:rPr lang="gl-ES" sz="2000" dirty="0" smtClean="0"/>
+              <a:t>baloncesto</a:t>
+            </a:r>
+            <a:r>
+              <a:rPr lang="pt-BR" sz="2000" dirty="0" smtClean="0"/>
+              <a:t> </a:t>
+            </a:r>
+            <a:r>
+              <a:rPr lang="gl-ES" sz="2000" dirty="0" smtClean="0"/>
+              <a:t>estadounidense</a:t>
+            </a:r>
+            <a:r>
+              <a:rPr lang="pt-BR" sz="2000" dirty="0" smtClean="0"/>
+              <a:t> </a:t>
+            </a:r>
+            <a:r>
+              <a:rPr lang="gl-ES" sz="2000" dirty="0" smtClean="0"/>
+              <a:t>máis</a:t>
+            </a:r>
+            <a:r>
+              <a:rPr lang="pt-BR" sz="2000" dirty="0" smtClean="0"/>
+              <a:t> </a:t>
+            </a:r>
+            <a:r>
+              <a:rPr lang="pt-BR" sz="2000" dirty="0"/>
+              <a:t>importante do país, </a:t>
+            </a:r>
+            <a:r>
+              <a:rPr lang="es-ES" sz="2000" dirty="0" smtClean="0"/>
+              <a:t>con impacto internacional</a:t>
+            </a:r>
+            <a:r>
+              <a:rPr lang="pt-BR" sz="2000" dirty="0" smtClean="0"/>
+              <a:t>.</a:t>
+            </a:r>
+          </a:p>
+          <a:p>
+            <a:pPr marL="0" indent="0" algn="just">
               <a:buNone/>
             </a:pPr>
-            <a:r>
-              <a:rPr lang="pt-BR" sz="2000" dirty="0"/>
-              <a:t>A NBA é a liga nacional de </a:t>
-            </a:r>
-            <a:r>
-              <a:rPr lang="gl-ES" sz="2000" dirty="0" smtClean="0"/>
-              <a:t>baloncesto</a:t>
+            <a:endParaRPr lang="pt-BR" sz="2000" dirty="0"/>
+          </a:p>
+          <a:p>
+            <a:pPr algn="just"/>
+            <a:r>
+              <a:rPr lang="pt-BR" sz="2000" dirty="0" err="1" smtClean="0"/>
+              <a:t>CanastrApp</a:t>
+            </a:r>
+            <a:r>
+              <a:rPr lang="pt-BR" sz="2000" dirty="0" smtClean="0"/>
+              <a:t> é unha </a:t>
+            </a:r>
+            <a:r>
+              <a:rPr lang="pt-BR" sz="2000" dirty="0" err="1" smtClean="0"/>
+              <a:t>aplicación</a:t>
             </a:r>
             <a:r>
               <a:rPr lang="pt-BR" sz="2000" dirty="0" smtClean="0"/>
               <a:t> </a:t>
             </a:r>
             <a:r>
-              <a:rPr lang="gl-ES" sz="2000" dirty="0" smtClean="0"/>
-              <a:t>estadounidense</a:t>
+              <a:rPr lang="pt-BR" sz="2000" dirty="0"/>
+              <a:t>web na que poder consultar </a:t>
             </a:r>
             <a:r>
               <a:rPr lang="pt-BR" sz="2000" dirty="0" smtClean="0"/>
-              <a:t> </a:t>
+              <a:t>todo tipo </a:t>
+            </a:r>
+            <a:r>
+              <a:rPr lang="pt-BR" sz="2000" dirty="0"/>
+              <a:t>de estatísticas da NBA a través da API </a:t>
             </a:r>
             <a:r>
               <a:rPr lang="pt-BR" sz="2000" dirty="0" err="1"/>
-              <a:t>máis</a:t>
+              <a:t>nba_api</a:t>
             </a:r>
             <a:r>
               <a:rPr lang="pt-BR" sz="2000" dirty="0"/>
-              <a:t> importante do país, </a:t>
+              <a:t>, </a:t>
             </a:r>
             <a:r>
               <a:rPr lang="pt-BR" sz="2000" dirty="0" smtClean="0"/>
-              <a:t>e </a:t>
-            </a:r>
-            <a:r>
-              <a:rPr lang="gl-ES" sz="2000" dirty="0" smtClean="0"/>
-              <a:t>probablemente</a:t>
-            </a:r>
-            <a:r>
-              <a:rPr lang="pt-BR" sz="2000" dirty="0" smtClean="0"/>
-              <a:t> </a:t>
-            </a:r>
-            <a:r>
-              <a:rPr lang="pt-BR" sz="2000" dirty="0"/>
-              <a:t>a que </a:t>
+              <a:t>proporcionando estatísticas oficiais e </a:t>
             </a:r>
             <a:r>
               <a:rPr lang="pt-BR" sz="2000" dirty="0" err="1"/>
-              <a:t>máis</a:t>
-            </a:r>
-            <a:r>
-              <a:rPr lang="pt-BR" sz="2000" dirty="0"/>
-              <a:t> impacto </a:t>
-            </a:r>
-            <a:r>
-              <a:rPr lang="pt-BR" sz="2000" dirty="0" err="1"/>
-              <a:t>ten</a:t>
-            </a:r>
-            <a:r>
-              <a:rPr lang="pt-BR" sz="2000" dirty="0"/>
-              <a:t> arredor do mundo.</a:t>
-            </a:r>
-          </a:p>
-          <a:p>
-            <a:pPr marL="0" lvl="0" indent="0" algn="just">
-              <a:buNone/>
-            </a:pPr>
-            <a:r>
-              <a:rPr lang="pt-BR" sz="2000" dirty="0"/>
-              <a:t>Este </a:t>
-            </a:r>
-            <a:r>
-              <a:rPr lang="pt-BR" sz="2000" dirty="0" err="1"/>
-              <a:t>proxecto</a:t>
-            </a:r>
-            <a:r>
-              <a:rPr lang="pt-BR" sz="2000" dirty="0"/>
-              <a:t> consiste na </a:t>
-            </a:r>
-            <a:r>
-              <a:rPr lang="pt-BR" sz="2000" dirty="0" err="1"/>
-              <a:t>creación</a:t>
+              <a:t>actualizadas</a:t>
             </a:r>
             <a:r>
               <a:rPr lang="pt-BR" sz="2000" dirty="0"/>
@@ -15363,80 +17178,15 @@
             </a:r>
             <a:r>
               <a:rPr lang="pt-BR" sz="2000" dirty="0" err="1"/>
-              <a:t>dunha</a:t>
+              <a:t>en</a:t>
             </a:r>
             <a:r>
               <a:rPr lang="pt-BR" sz="2000" dirty="0"/>
-              <a:t> </a:t>
-            </a:r>
-            <a:r>
-              <a:rPr lang="pt-BR" sz="2000" dirty="0" err="1"/>
-              <a:t>aplicación</a:t>
-            </a:r>
-            <a:r>
-              <a:rPr lang="pt-BR" sz="2000" dirty="0"/>
-              <a:t> web na que poder consultar </a:t>
+              <a:t> todo </a:t>
             </a:r>
             <a:r>
               <a:rPr lang="pt-BR" sz="2000" dirty="0" smtClean="0"/>
-              <a:t>todo tipo </a:t>
-            </a:r>
-            <a:r>
-              <a:rPr lang="pt-BR" sz="2000" dirty="0"/>
-              <a:t>de estatísticas da NBA a través da API </a:t>
-            </a:r>
-            <a:r>
-              <a:rPr lang="pt-BR" sz="2000" dirty="0" err="1"/>
-              <a:t>nba_api</a:t>
-            </a:r>
-            <a:r>
-              <a:rPr lang="pt-BR" sz="2000" dirty="0"/>
-              <a:t>, que proporciona estatísticas oficiais</a:t>
-            </a:r>
-          </a:p>
-          <a:p>
-            <a:pPr marL="0" lvl="0" indent="0" algn="just">
-              <a:buNone/>
-            </a:pPr>
-            <a:r>
-              <a:rPr lang="pt-BR" sz="2000" dirty="0"/>
-              <a:t>e </a:t>
-            </a:r>
-            <a:r>
-              <a:rPr lang="pt-BR" sz="2000" dirty="0" err="1"/>
-              <a:t>actualizadas</a:t>
-            </a:r>
-            <a:r>
-              <a:rPr lang="pt-BR" sz="2000" dirty="0"/>
-              <a:t> </a:t>
-            </a:r>
-            <a:r>
-              <a:rPr lang="pt-BR" sz="2000" dirty="0" err="1"/>
-              <a:t>en</a:t>
-            </a:r>
-            <a:r>
-              <a:rPr lang="pt-BR" sz="2000" dirty="0"/>
-              <a:t> todo momento podendo comparar </a:t>
-            </a:r>
-            <a:r>
-              <a:rPr lang="pt-BR" sz="2000" dirty="0" err="1"/>
-              <a:t>equipos</a:t>
-            </a:r>
-            <a:r>
-              <a:rPr lang="pt-BR" sz="2000" dirty="0"/>
-              <a:t>, </a:t>
-            </a:r>
-            <a:r>
-              <a:rPr lang="pt-BR" sz="2000" dirty="0" err="1"/>
-              <a:t>xogadores</a:t>
-            </a:r>
-            <a:r>
-              <a:rPr lang="pt-BR" sz="2000" dirty="0"/>
-              <a:t>, ver os </a:t>
-            </a:r>
-            <a:r>
-              <a:rPr lang="pt-BR" sz="2000" dirty="0" smtClean="0"/>
-              <a:t>líderes estatísticos...</a:t>
+              <a:t>momento.</a:t>
             </a:r>
             <a:endParaRPr lang="pt-BR" sz="2000" dirty="0"/>
           </a:p>
@@ -15458,7 +17208,12 @@
             <p:ph type="title"/>
           </p:nvPr>
         </p:nvSpPr>
-        <p:spPr/>
+        <p:spPr>
+          <a:xfrm>
+            <a:off x="531378" y="773509"/>
+            <a:ext cx="7342622" cy="1215566"/>
+          </a:xfrm>
+        </p:spPr>
         <p:txBody>
           <a:bodyPr rtlCol="0"/>
           <a:lstStyle/>
@@ -15466,7 +17221,7 @@
             <a:pPr rtl="0"/>
             <a:r>
               <a:rPr lang="es-ES" dirty="0" err="1" smtClean="0"/>
-              <a:t>Introducion</a:t>
+              <a:t>Introdución</a:t>
             </a:r>
             <a:endParaRPr lang="es-ES" b="0" dirty="0"/>
           </a:p>
@@ -15499,36 +17254,6 @@
       </p:pic>
       <p:sp>
         <p:nvSpPr>
-          <p:cNvPr id="11" name="Marcador de pie de página 10">
-            <a:extLst>
-              <a:ext uri="{FF2B5EF4-FFF2-40B4-BE49-F238E27FC236}">
-                <a16:creationId xmlns:a16="http://schemas.microsoft.com/office/drawing/2014/main" id="{47F4D2C2-B71A-4089-A3FE-603C32706CA6}"/>
-              </a:ext>
-            </a:extLst>
-          </p:cNvPr>
-          <p:cNvSpPr>
-            <a:spLocks noGrp="1"/>
-          </p:cNvSpPr>
-          <p:nvPr>
-            <p:ph type="ftr" sz="quarter" idx="14"/>
-          </p:nvPr>
-        </p:nvSpPr>
-        <p:spPr/>
-        <p:txBody>
-          <a:bodyPr rtlCol="0"/>
-          <a:lstStyle/>
-          <a:p>
-            <a:pPr rtl="0"/>
-            <a:r>
-              <a:rPr lang="es-ES" dirty="0" err="1" smtClean="0"/>
-              <a:t>CanastrApp</a:t>
-            </a:r>
-            <a:endParaRPr lang="es-ES" dirty="0"/>
-          </a:p>
-        </p:txBody>
-      </p:sp>
-      <p:sp>
-        <p:nvSpPr>
           <p:cNvPr id="12" name="Marcador de número de diapositiva 11">
             <a:extLst>
               <a:ext uri="{FF2B5EF4-FFF2-40B4-BE49-F238E27FC236}">
@@ -15554,6 +17279,14 @@
               <a:pPr/>
               <a:t>3</a:t>
             </a:fld>
+            <a:r>
+              <a:rPr lang="es-ES" dirty="0" smtClean="0"/>
+              <a:t>/</a:t>
+            </a:r>
+            <a:r>
+              <a:rPr lang="es-ES" dirty="0" smtClean="0"/>
+              <a:t>14</a:t>
+            </a:r>
             <a:endParaRPr lang="es-ES" dirty="0"/>
           </a:p>
         </p:txBody>
@@ -15597,32 +17330,6 @@
       </p:grpSpPr>
       <p:sp>
         <p:nvSpPr>
-          <p:cNvPr id="35" name="Marcador de pie de página 34">
-            <a:extLst>
-              <a:ext uri="{FF2B5EF4-FFF2-40B4-BE49-F238E27FC236}">
-                <a16:creationId xmlns:a16="http://schemas.microsoft.com/office/drawing/2014/main" id="{6390A22B-EC07-E942-A46F-F36FDD7FDB9D}"/>
-              </a:ext>
-            </a:extLst>
-          </p:cNvPr>
-          <p:cNvSpPr>
-            <a:spLocks noGrp="1"/>
-          </p:cNvSpPr>
-          <p:nvPr>
-            <p:ph type="ftr" sz="quarter" idx="17"/>
-          </p:nvPr>
-        </p:nvSpPr>
-        <p:spPr/>
-        <p:txBody>
-          <a:bodyPr rtlCol="0"/>
-          <a:lstStyle/>
-          <a:p>
-            <a:pPr rtl="0"/>
-            <a:endParaRPr lang="es-ES" dirty="0"/>
-          </a:p>
-        </p:txBody>
-      </p:sp>
-      <p:sp>
-        <p:nvSpPr>
           <p:cNvPr id="10" name="Marcador de número de diapositiva 9">
             <a:extLst>
               <a:ext uri="{FF2B5EF4-FFF2-40B4-BE49-F238E27FC236}">
@@ -15648,6 +17355,10 @@
               <a:pPr/>
               <a:t>4</a:t>
             </a:fld>
+            <a:r>
+              <a:rPr lang="es-ES" dirty="0" smtClean="0"/>
+              <a:t>/14</a:t>
+            </a:r>
             <a:endParaRPr lang="es-ES" dirty="0"/>
           </a:p>
         </p:txBody>
@@ -16226,6 +17937,10 @@
           </a:bodyPr>
           <a:lstStyle/>
           <a:p>
+            <a:pPr marL="285750" indent="-285750">
+              <a:buFont typeface="Arial" panose="020B0604020202020204" pitchFamily="34" charset="0"/>
+              <a:buChar char="•"/>
+            </a:pPr>
             <a:r>
               <a:rPr lang="gl-ES" dirty="0" smtClean="0"/>
               <a:t>Costes de desenvolvemento</a:t>
@@ -16256,6 +17971,10 @@
           </a:bodyPr>
           <a:lstStyle/>
           <a:p>
+            <a:pPr marL="285750" indent="-285750">
+              <a:buFont typeface="Arial" panose="020B0604020202020204" pitchFamily="34" charset="0"/>
+              <a:buChar char="•"/>
+            </a:pPr>
             <a:r>
               <a:rPr lang="gl-ES" dirty="0" smtClean="0"/>
               <a:t>Costes de infraestrutura</a:t>
@@ -16272,7 +17991,7 @@
         </p:nvSpPr>
         <p:spPr>
           <a:xfrm>
-            <a:off x="2491385" y="4405920"/>
+            <a:off x="2126647" y="4487982"/>
             <a:ext cx="5117284" cy="369332"/>
           </a:xfrm>
           <a:prstGeom prst="rect">
@@ -16287,17 +18006,47 @@
           <a:lstStyle/>
           <a:p>
             <a:r>
-              <a:rPr lang="gl-ES" dirty="0" smtClean="0"/>
+              <a:rPr lang="gl-ES" u="sng" dirty="0" smtClean="0"/>
               <a:t>Costes de desenvolvemento: </a:t>
             </a:r>
             <a:r>
-              <a:rPr lang="gl-ES" b="1" dirty="0" smtClean="0"/>
+              <a:rPr lang="gl-ES" b="1" u="sng" dirty="0" smtClean="0"/>
               <a:t>1640 euros</a:t>
             </a:r>
-            <a:endParaRPr lang="gl-ES" b="1" dirty="0"/>
-          </a:p>
-        </p:txBody>
-      </p:sp>
+            <a:endParaRPr lang="gl-ES" b="1" u="sng" dirty="0"/>
+          </a:p>
+        </p:txBody>
+      </p:sp>
+      <p:pic>
+        <p:nvPicPr>
+          <p:cNvPr id="2" name="Imagen 1"/>
+          <p:cNvPicPr>
+            <a:picLocks noChangeAspect="1"/>
+          </p:cNvPicPr>
+          <p:nvPr/>
+        </p:nvPicPr>
+        <p:blipFill>
+          <a:blip r:embed="rId3">
+            <a:extLst>
+              <a:ext uri="{28A0092B-C50C-407E-A947-70E740481C1C}">
+                <a14:useLocalDpi xmlns:a14="http://schemas.microsoft.com/office/drawing/2010/main" val="0"/>
+              </a:ext>
+            </a:extLst>
+          </a:blip>
+          <a:stretch>
+            <a:fillRect/>
+          </a:stretch>
+        </p:blipFill>
+        <p:spPr>
+          <a:xfrm>
+            <a:off x="8848811" y="4165249"/>
+            <a:ext cx="2191101" cy="2191101"/>
+          </a:xfrm>
+          <a:prstGeom prst="rect">
+            <a:avLst/>
+          </a:prstGeom>
+        </p:spPr>
+      </p:pic>
     </p:spTree>
     <p:extLst>
       <p:ext uri="{BB962C8B-B14F-4D97-AF65-F5344CB8AC3E}">
@@ -16372,10 +18121,10 @@
       </p:sp>
       <p:sp>
         <p:nvSpPr>
-          <p:cNvPr id="20" name="Marcador de pie de página 4">
+          <p:cNvPr id="21" name="Marcador de número de diapositiva 5">
             <a:extLst>
               <a:ext uri="{FF2B5EF4-FFF2-40B4-BE49-F238E27FC236}">
-                <a16:creationId xmlns:a16="http://schemas.microsoft.com/office/drawing/2014/main" id="{391D3201-20F9-4DD7-B4EB-F41AF17CA428}"/>
+                <a16:creationId xmlns:a16="http://schemas.microsoft.com/office/drawing/2014/main" id="{C7C65DDB-24F2-44CF-AE02-F3A6C8B1858B}"/>
               </a:ext>
             </a:extLst>
           </p:cNvPr>
@@ -16383,7 +18132,7 @@
             <a:spLocks noGrp="1"/>
           </p:cNvSpPr>
           <p:nvPr>
-            <p:ph type="ftr" sz="quarter" idx="17"/>
+            <p:ph type="sldNum" sz="quarter" idx="18"/>
           </p:nvPr>
         </p:nvSpPr>
         <p:spPr/>
@@ -16402,52 +18151,16 @@
             </a:lvl1pPr>
           </a:lstStyle>
           <a:p>
-            <a:pPr algn="l" rtl="0"/>
-            <a:r>
-              <a:rPr lang="es-ES" dirty="0"/>
-              <a:t>Agregar un pie de página</a:t>
-            </a:r>
-          </a:p>
-        </p:txBody>
-      </p:sp>
-      <p:sp>
-        <p:nvSpPr>
-          <p:cNvPr id="21" name="Marcador de número de diapositiva 5">
-            <a:extLst>
-              <a:ext uri="{FF2B5EF4-FFF2-40B4-BE49-F238E27FC236}">
-                <a16:creationId xmlns:a16="http://schemas.microsoft.com/office/drawing/2014/main" id="{C7C65DDB-24F2-44CF-AE02-F3A6C8B1858B}"/>
-              </a:ext>
-            </a:extLst>
-          </p:cNvPr>
-          <p:cNvSpPr>
-            <a:spLocks noGrp="1"/>
-          </p:cNvSpPr>
-          <p:nvPr>
-            <p:ph type="sldNum" sz="quarter" idx="18"/>
-          </p:nvPr>
-        </p:nvSpPr>
-        <p:spPr/>
-        <p:txBody>
-          <a:bodyPr rtlCol="0"/>
-          <a:lstStyle>
-            <a:lvl1pPr algn="r">
-              <a:defRPr sz="1200">
-                <a:solidFill>
-                  <a:schemeClr val="tx1">
-                    <a:lumMod val="50000"/>
-                    <a:lumOff val="50000"/>
-                  </a:schemeClr>
-                </a:solidFill>
-              </a:defRPr>
-            </a:lvl1pPr>
-          </a:lstStyle>
-          <a:p>
             <a:pPr rtl="0"/>
             <a:fld id="{8699F50C-BE38-4BD0-BA84-9B090E1F2B9B}" type="slidenum">
               <a:rPr lang="es-ES" smtClean="0"/>
               <a:pPr/>
               <a:t>5</a:t>
             </a:fld>
+            <a:r>
+              <a:rPr lang="es-ES" dirty="0" smtClean="0"/>
+              <a:t>/14</a:t>
+            </a:r>
             <a:endParaRPr lang="es-ES" dirty="0"/>
           </a:p>
         </p:txBody>
@@ -16478,7 +18191,7 @@
               <a:rPr lang="es-ES" dirty="0" smtClean="0"/>
               <a:t>Manual de usuario</a:t>
             </a:r>
-            <a:endParaRPr lang="es-ES" b="0" dirty="0"/>
+            <a:endParaRPr lang="es-ES" dirty="0"/>
           </a:p>
         </p:txBody>
       </p:sp>
@@ -16568,8 +18281,15 @@
             </a:r>
             <a:r>
               <a:rPr lang="es-ES" dirty="0" smtClean="0"/>
-              <a:t> de postemporada</a:t>
-            </a:r>
+              <a:t> de </a:t>
+            </a:r>
+            <a:r>
+              <a:rPr lang="es-ES" dirty="0" smtClean="0"/>
+              <a:t>postemporada</a:t>
+            </a:r>
+          </a:p>
+          <a:p>
+            <a:endParaRPr lang="es-ES" dirty="0" smtClean="0"/>
           </a:p>
           <a:p>
             <a:r>
@@ -16614,11 +18334,31 @@
             </a:r>
             <a:r>
               <a:rPr lang="es-ES" dirty="0"/>
-              <a:t> categorías de anotación, rebotes </a:t>
+              <a:t> categorías de </a:t>
+            </a:r>
+            <a:r>
+              <a:rPr lang="es-ES" b="1" dirty="0"/>
+              <a:t>anotación</a:t>
+            </a:r>
+            <a:r>
+              <a:rPr lang="es-ES" dirty="0"/>
+              <a:t>, </a:t>
+            </a:r>
+            <a:r>
+              <a:rPr lang="es-ES" b="1" dirty="0"/>
+              <a:t>rebotes</a:t>
+            </a:r>
+            <a:r>
+              <a:rPr lang="es-ES" dirty="0"/>
+              <a:t> </a:t>
             </a:r>
             <a:r>
               <a:rPr lang="es-ES" dirty="0" smtClean="0"/>
-              <a:t>e asistencias</a:t>
+              <a:t>e </a:t>
+            </a:r>
+            <a:r>
+              <a:rPr lang="es-ES" b="1" dirty="0" smtClean="0"/>
+              <a:t>asistencias</a:t>
             </a:r>
             <a:r>
               <a:rPr lang="es-ES" dirty="0"/>
@@ -16661,7 +18401,7 @@
         </p:blipFill>
         <p:spPr>
           <a:xfrm>
-            <a:off x="6523892" y="627185"/>
+            <a:off x="7092461" y="638908"/>
             <a:ext cx="3774831" cy="3774831"/>
           </a:xfrm>
           <a:prstGeom prst="rect">
@@ -16691,7 +18431,7 @@
         </p:blipFill>
         <p:spPr>
           <a:xfrm>
-            <a:off x="6267888" y="4566934"/>
+            <a:off x="6836457" y="4566934"/>
             <a:ext cx="4286838" cy="1789416"/>
           </a:xfrm>
           <a:prstGeom prst="rect">
@@ -16750,6 +18490,13 @@
   <p:clrMapOvr>
     <a:masterClrMapping/>
   </p:clrMapOvr>
+  <p:timing>
+    <p:tnLst>
+      <p:par>
+        <p:cTn id="1" dur="indefinite" restart="never" nodeType="tmRoot"/>
+      </p:par>
+    </p:tnLst>
+  </p:timing>
 </p:sld>
 </file>
 
@@ -16802,35 +18549,6 @@
       </p:sp>
       <p:sp>
         <p:nvSpPr>
-          <p:cNvPr id="3" name="Marcador de pie de página 2">
-            <a:extLst>
-              <a:ext uri="{FF2B5EF4-FFF2-40B4-BE49-F238E27FC236}">
-                <a16:creationId xmlns:a16="http://schemas.microsoft.com/office/drawing/2014/main" id="{B04C11C9-3DF6-471E-87C0-4DCED41031D4}"/>
-              </a:ext>
-            </a:extLst>
-          </p:cNvPr>
-          <p:cNvSpPr>
-            <a:spLocks noGrp="1"/>
-          </p:cNvSpPr>
-          <p:nvPr>
-            <p:ph type="ftr" sz="quarter" idx="17"/>
-          </p:nvPr>
-        </p:nvSpPr>
-        <p:spPr/>
-        <p:txBody>
-          <a:bodyPr rtlCol="0"/>
-          <a:lstStyle/>
-          <a:p>
-            <a:pPr rtl="0"/>
-            <a:r>
-              <a:rPr lang="es-ES" dirty="0"/>
-              <a:t>Agregue un pie de página</a:t>
-            </a:r>
-          </a:p>
-        </p:txBody>
-      </p:sp>
-      <p:sp>
-        <p:nvSpPr>
           <p:cNvPr id="4" name="Marcador de número de diapositiva 3">
             <a:extLst>
               <a:ext uri="{FF2B5EF4-FFF2-40B4-BE49-F238E27FC236}">
@@ -16856,6 +18574,10 @@
               <a:pPr/>
               <a:t>6</a:t>
             </a:fld>
+            <a:r>
+              <a:rPr lang="es-ES" dirty="0" smtClean="0"/>
+              <a:t>/14</a:t>
+            </a:r>
             <a:endParaRPr lang="es-ES" dirty="0"/>
           </a:p>
         </p:txBody>
@@ -16883,7 +18605,7 @@
           <a:p>
             <a:pPr rtl="0"/>
             <a:r>
-              <a:rPr lang="es-ES" b="0" dirty="0" smtClean="0"/>
+              <a:rPr lang="es-ES" dirty="0" smtClean="0"/>
               <a:t>Manual de usuario</a:t>
             </a:r>
             <a:endParaRPr lang="es-ES" dirty="0"/>
@@ -16909,17 +18631,19 @@
         <p:spPr>
           <a:xfrm>
             <a:off x="531814" y="2005762"/>
-            <a:ext cx="5225764" cy="1487715"/>
+            <a:ext cx="5225764" cy="1722176"/>
           </a:xfrm>
         </p:spPr>
         <p:txBody>
           <a:bodyPr rtlCol="0"/>
           <a:lstStyle/>
           <a:p>
-            <a:pPr>
+            <a:pPr marL="342900" indent="-342900">
               <a:buClr>
                 <a:schemeClr val="accent2"/>
               </a:buClr>
+              <a:buFont typeface="Arial" panose="020B0604020202020204" pitchFamily="34" charset="0"/>
+              <a:buChar char="•"/>
             </a:pPr>
             <a:r>
               <a:rPr lang="es-ES" dirty="0" err="1"/>
@@ -16943,7 +18667,15 @@
             </a:r>
             <a:r>
               <a:rPr lang="es-ES" dirty="0"/>
-              <a:t> equipos </a:t>
+              <a:t> </a:t>
+            </a:r>
+            <a:r>
+              <a:rPr lang="es-ES" b="1" dirty="0"/>
+              <a:t>equipos</a:t>
+            </a:r>
+            <a:r>
+              <a:rPr lang="es-ES" dirty="0"/>
+              <a:t> </a:t>
             </a:r>
             <a:r>
               <a:rPr lang="es-ES" dirty="0" err="1" smtClean="0"/>
@@ -16974,11 +18706,11 @@
               <a:t> que </a:t>
             </a:r>
             <a:r>
-              <a:rPr lang="es-ES" dirty="0" err="1"/>
+              <a:rPr lang="gl-ES" dirty="0" smtClean="0"/>
               <a:t>desexe</a:t>
             </a:r>
             <a:r>
-              <a:rPr lang="es-ES" dirty="0"/>
+              <a:rPr lang="es-ES" dirty="0" smtClean="0"/>
               <a:t> </a:t>
             </a:r>
             <a:r>
@@ -17050,8 +18782,8 @@
         </p:nvSpPr>
         <p:spPr>
           <a:xfrm>
-            <a:off x="518678" y="3775775"/>
-            <a:ext cx="5612296" cy="2086725"/>
+            <a:off x="455614" y="4266011"/>
+            <a:ext cx="5612296" cy="1754326"/>
           </a:xfrm>
           <a:prstGeom prst="rect">
             <a:avLst/>
@@ -17064,7 +18796,7 @@
           </a:bodyPr>
           <a:lstStyle/>
           <a:p>
-            <a:pPr>
+            <a:pPr marL="342900" indent="-342900">
               <a:lnSpc>
                 <a:spcPct val="90000"/>
               </a:lnSpc>
@@ -17074,50 +18806,48 @@
               <a:buClr>
                 <a:schemeClr val="accent2"/>
               </a:buClr>
+              <a:buFont typeface="Arial" panose="020B0604020202020204" pitchFamily="34" charset="0"/>
+              <a:buChar char="•"/>
             </a:pPr>
             <a:r>
               <a:rPr lang="gl-ES" sz="2400" dirty="0"/>
-              <a:t>A táboa </a:t>
+              <a:t>A táboa permite a </a:t>
+            </a:r>
+            <a:r>
+              <a:rPr lang="gl-ES" sz="2400" b="1" dirty="0"/>
+              <a:t>selección de equipos </a:t>
             </a:r>
             <a:r>
               <a:rPr lang="gl-ES" sz="2400" dirty="0"/>
-              <a:t>permite</a:t>
+              <a:t>pulsando </a:t>
+            </a:r>
+            <a:r>
+              <a:rPr lang="gl-ES" sz="2400" dirty="0" smtClean="0"/>
+              <a:t>“</a:t>
+            </a:r>
+            <a:r>
+              <a:rPr lang="gl-ES" sz="2400" i="1" dirty="0" err="1" smtClean="0"/>
+              <a:t>Ctrl</a:t>
+            </a:r>
+            <a:r>
+              <a:rPr lang="gl-ES" sz="2400" i="1" dirty="0" smtClean="0"/>
+              <a:t> </a:t>
+            </a:r>
+            <a:r>
+              <a:rPr lang="gl-ES" sz="2400" i="1" dirty="0"/>
+              <a:t>+ </a:t>
+            </a:r>
+            <a:r>
+              <a:rPr lang="gl-ES" sz="2400" i="1" dirty="0" err="1" smtClean="0"/>
+              <a:t>click</a:t>
+            </a:r>
+            <a:r>
+              <a:rPr lang="gl-ES" sz="2400" i="1" dirty="0" smtClean="0"/>
+              <a:t>” </a:t>
             </a:r>
             <a:r>
               <a:rPr lang="gl-ES" sz="2400" dirty="0"/>
-              <a:t> </a:t>
-            </a:r>
-            <a:r>
-              <a:rPr lang="gl-ES" sz="2400" dirty="0"/>
-              <a:t>a </a:t>
-            </a:r>
-            <a:r>
-              <a:rPr lang="gl-ES" sz="2400" dirty="0"/>
-              <a:t>selección de equipos pulsando </a:t>
-            </a:r>
-            <a:r>
-              <a:rPr lang="gl-ES" sz="2400" dirty="0" err="1"/>
-              <a:t>Ctlr</a:t>
-            </a:r>
-            <a:r>
-              <a:rPr lang="gl-ES" sz="2400" dirty="0"/>
-              <a:t> + </a:t>
-            </a:r>
-            <a:r>
-              <a:rPr lang="gl-ES" sz="2400" dirty="0" err="1"/>
-              <a:t>click</a:t>
-            </a:r>
-            <a:r>
-              <a:rPr lang="gl-ES" sz="2400" dirty="0"/>
-              <a:t> esquerdo </a:t>
-            </a:r>
-            <a:r>
-              <a:rPr lang="gl-ES" sz="2400" dirty="0"/>
-              <a:t>e </a:t>
-            </a:r>
-            <a:r>
-              <a:rPr lang="gl-ES" sz="2400" dirty="0"/>
-              <a:t>unha vez </a:t>
+              <a:t>esquerdo e unha vez </a:t>
             </a:r>
             <a:r>
               <a:rPr lang="gl-ES" sz="2400" dirty="0" smtClean="0"/>
@@ -17129,11 +18859,23 @@
             </a:r>
             <a:r>
               <a:rPr lang="gl-ES" sz="2400" dirty="0"/>
-              <a:t> en “Mostrar seleccionados” para que só se mostren os equipos </a:t>
+              <a:t> en </a:t>
+            </a:r>
+            <a:r>
+              <a:rPr lang="gl-ES" sz="2400" i="1" dirty="0"/>
+              <a:t>“Mostrar seleccionados</a:t>
+            </a:r>
+            <a:r>
+              <a:rPr lang="gl-ES" sz="2400" i="1" dirty="0" smtClean="0"/>
+              <a:t>”</a:t>
+            </a:r>
+            <a:r>
+              <a:rPr lang="gl-ES" sz="2400" dirty="0" smtClean="0"/>
+              <a:t>. </a:t>
             </a:r>
             <a:r>
               <a:rPr lang="gl-ES" sz="2400" dirty="0"/>
-              <a:t>elixidos. Tamén dispón dun buscador mediante caixa de </a:t>
+              <a:t>Tamén dispón dun buscador mediante caixa de </a:t>
             </a:r>
             <a:r>
               <a:rPr lang="gl-ES" sz="2400" dirty="0" smtClean="0"/>
@@ -17224,6 +18966,13 @@
   <p:clrMapOvr>
     <a:masterClrMapping/>
   </p:clrMapOvr>
+  <p:timing>
+    <p:tnLst>
+      <p:par>
+        <p:cTn id="1" dur="indefinite" restart="never" nodeType="tmRoot"/>
+      </p:par>
+    </p:tnLst>
+  </p:timing>
 </p:sld>
 </file>
 
@@ -17276,35 +19025,6 @@
       </p:sp>
       <p:sp>
         <p:nvSpPr>
-          <p:cNvPr id="3" name="Marcador de pie de página 2">
-            <a:extLst>
-              <a:ext uri="{FF2B5EF4-FFF2-40B4-BE49-F238E27FC236}">
-                <a16:creationId xmlns:a16="http://schemas.microsoft.com/office/drawing/2014/main" id="{B04C11C9-3DF6-471E-87C0-4DCED41031D4}"/>
-              </a:ext>
-            </a:extLst>
-          </p:cNvPr>
-          <p:cNvSpPr>
-            <a:spLocks noGrp="1"/>
-          </p:cNvSpPr>
-          <p:nvPr>
-            <p:ph type="ftr" sz="quarter" idx="17"/>
-          </p:nvPr>
-        </p:nvSpPr>
-        <p:spPr/>
-        <p:txBody>
-          <a:bodyPr rtlCol="0"/>
-          <a:lstStyle/>
-          <a:p>
-            <a:pPr rtl="0"/>
-            <a:r>
-              <a:rPr lang="es-ES" dirty="0"/>
-              <a:t>Agregue un pie de página</a:t>
-            </a:r>
-          </a:p>
-        </p:txBody>
-      </p:sp>
-      <p:sp>
-        <p:nvSpPr>
           <p:cNvPr id="4" name="Marcador de número de diapositiva 3">
             <a:extLst>
               <a:ext uri="{FF2B5EF4-FFF2-40B4-BE49-F238E27FC236}">
@@ -17330,6 +19050,10 @@
               <a:pPr rtl="0"/>
               <a:t>7</a:t>
             </a:fld>
+            <a:r>
+              <a:rPr lang="es-ES" dirty="0" smtClean="0"/>
+              <a:t>/14</a:t>
+            </a:r>
             <a:endParaRPr lang="es-ES" dirty="0"/>
           </a:p>
         </p:txBody>
@@ -17357,7 +19081,7 @@
           <a:p>
             <a:pPr rtl="0"/>
             <a:r>
-              <a:rPr lang="es-ES" b="0" dirty="0" smtClean="0"/>
+              <a:rPr lang="es-ES" dirty="0" smtClean="0"/>
               <a:t>Manual de usuario</a:t>
             </a:r>
             <a:endParaRPr lang="es-ES" dirty="0"/>
@@ -17390,10 +19114,12 @@
           <a:bodyPr rtlCol="0"/>
           <a:lstStyle/>
           <a:p>
-            <a:pPr>
+            <a:pPr marL="342900" indent="-342900">
               <a:buClr>
                 <a:schemeClr val="accent2"/>
               </a:buClr>
+              <a:buFont typeface="Arial" panose="020B0604020202020204" pitchFamily="34" charset="0"/>
+              <a:buChar char="•"/>
             </a:pPr>
             <a:r>
               <a:rPr lang="es-ES" dirty="0" err="1"/>
@@ -17420,7 +19146,7 @@
               <a:t> </a:t>
             </a:r>
             <a:r>
-              <a:rPr lang="es-ES" dirty="0" err="1" smtClean="0"/>
+              <a:rPr lang="es-ES" b="1" dirty="0" err="1" smtClean="0"/>
               <a:t>xogadores</a:t>
             </a:r>
             <a:r>
@@ -17479,18 +19205,6 @@
               <a:rPr lang="es-ES" dirty="0" smtClean="0"/>
               <a:t>.</a:t>
             </a:r>
-          </a:p>
-          <a:p>
-            <a:pPr>
-              <a:buClr>
-                <a:schemeClr val="accent2"/>
-              </a:buClr>
-            </a:pPr>
-            <a:r>
-              <a:rPr lang="es-ES" dirty="0" smtClean="0"/>
-              <a:t> </a:t>
-            </a:r>
-            <a:endParaRPr lang="es-ES" dirty="0"/>
           </a:p>
         </p:txBody>
       </p:sp>
@@ -17516,7 +19230,7 @@
           </a:bodyPr>
           <a:lstStyle/>
           <a:p>
-            <a:pPr>
+            <a:pPr marL="342900" indent="-342900">
               <a:lnSpc>
                 <a:spcPct val="90000"/>
               </a:lnSpc>
@@ -17526,34 +19240,24 @@
               <a:buClr>
                 <a:schemeClr val="accent2"/>
               </a:buClr>
+              <a:buFont typeface="Arial" panose="020B0604020202020204" pitchFamily="34" charset="0"/>
+              <a:buChar char="•"/>
             </a:pPr>
             <a:r>
               <a:rPr lang="gl-ES" sz="2400" dirty="0"/>
-              <a:t>A táboa </a:t>
-            </a:r>
-            <a:r>
-              <a:rPr lang="gl-ES" sz="2400" dirty="0"/>
-              <a:t>permite</a:t>
-            </a:r>
-            <a:r>
-              <a:rPr lang="gl-ES" sz="2400" dirty="0"/>
-              <a:t> </a:t>
-            </a:r>
-            <a:r>
-              <a:rPr lang="gl-ES" sz="2400" dirty="0"/>
-              <a:t>a </a:t>
-            </a:r>
-            <a:r>
-              <a:rPr lang="gl-ES" sz="2400" dirty="0"/>
-              <a:t>selección de </a:t>
+              <a:t>A táboa permite a selección de </a:t>
             </a:r>
             <a:r>
               <a:rPr lang="gl-ES" sz="2400" dirty="0" smtClean="0"/>
               <a:t>xogadores de igual xeito que na sección de equipos. Dispón de igual forma dun </a:t>
             </a:r>
             <a:r>
+              <a:rPr lang="gl-ES" sz="2400" b="1" dirty="0"/>
+              <a:t>buscador</a:t>
+            </a:r>
+            <a:r>
               <a:rPr lang="gl-ES" sz="2400" dirty="0"/>
-              <a:t>buscador mediante caixa de </a:t>
+              <a:t> mediante caixa de </a:t>
             </a:r>
             <a:r>
               <a:rPr lang="gl-ES" sz="2400" dirty="0" smtClean="0"/>
@@ -17674,6 +19378,13 @@
   <p:clrMapOvr>
     <a:masterClrMapping/>
   </p:clrMapOvr>
+  <p:timing>
+    <p:tnLst>
+      <p:par>
+        <p:cTn id="1" dur="indefinite" restart="never" nodeType="tmRoot"/>
+      </p:par>
+    </p:tnLst>
+  </p:timing>
 </p:sld>
 </file>
 
@@ -17787,7 +19498,7 @@
           <a:p>
             <a:pPr rtl="0"/>
             <a:r>
-              <a:rPr lang="es-ES" b="0" dirty="0" smtClean="0"/>
+              <a:rPr lang="es-ES" dirty="0" smtClean="0"/>
               <a:t>Manual de usuario</a:t>
             </a:r>
             <a:endParaRPr lang="es-ES" dirty="0"/>
@@ -17825,35 +19536,6 @@
       </p:pic>
       <p:sp>
         <p:nvSpPr>
-          <p:cNvPr id="3" name="Marcador de pie de página 2">
-            <a:extLst>
-              <a:ext uri="{FF2B5EF4-FFF2-40B4-BE49-F238E27FC236}">
-                <a16:creationId xmlns:a16="http://schemas.microsoft.com/office/drawing/2014/main" id="{16764F18-9B71-4D59-80A4-C9436CB2F479}"/>
-              </a:ext>
-            </a:extLst>
-          </p:cNvPr>
-          <p:cNvSpPr>
-            <a:spLocks noGrp="1"/>
-          </p:cNvSpPr>
-          <p:nvPr>
-            <p:ph type="ftr" sz="quarter" idx="14"/>
-          </p:nvPr>
-        </p:nvSpPr>
-        <p:spPr/>
-        <p:txBody>
-          <a:bodyPr rtlCol="0"/>
-          <a:lstStyle/>
-          <a:p>
-            <a:pPr rtl="0"/>
-            <a:r>
-              <a:rPr lang="es-ES" dirty="0"/>
-              <a:t>Agregue un pie de página</a:t>
-            </a:r>
-          </a:p>
-        </p:txBody>
-      </p:sp>
-      <p:sp>
-        <p:nvSpPr>
           <p:cNvPr id="4" name="Marcador de número de diapositiva 3">
             <a:extLst>
               <a:ext uri="{FF2B5EF4-FFF2-40B4-BE49-F238E27FC236}">
@@ -17879,6 +19561,10 @@
               <a:pPr rtl="0"/>
               <a:t>8</a:t>
             </a:fld>
+            <a:r>
+              <a:rPr lang="es-ES" dirty="0" smtClean="0"/>
+              <a:t>/14</a:t>
+            </a:r>
             <a:endParaRPr lang="es-ES" dirty="0"/>
           </a:p>
         </p:txBody>
@@ -17923,6 +19609,13 @@
   <p:clrMapOvr>
     <a:masterClrMapping/>
   </p:clrMapOvr>
+  <p:timing>
+    <p:tnLst>
+      <p:par>
+        <p:cTn id="1" dur="indefinite" restart="never" nodeType="tmRoot"/>
+      </p:par>
+    </p:tnLst>
+  </p:timing>
 </p:sld>
 </file>
 
@@ -18118,25 +19811,16 @@
           </a:xfrm>
         </p:spPr>
         <p:txBody>
-          <a:bodyPr rtlCol="0"/>
+          <a:bodyPr rtlCol="0">
+            <a:normAutofit/>
+          </a:bodyPr>
           <a:lstStyle/>
           <a:p>
-            <a:pPr rtl="0"/>
-            <a:r>
-              <a:rPr lang="es-ES" dirty="0" smtClean="0">
-                <a:solidFill>
-                  <a:schemeClr val="tx1"/>
-                </a:solidFill>
-              </a:rPr>
+            <a:r>
+              <a:rPr lang="es-ES" dirty="0"/>
               <a:t>Documentación técnica</a:t>
             </a:r>
-            <a:endParaRPr lang="es-ES" b="0" dirty="0">
-              <a:solidFill>
-                <a:schemeClr val="tx1"/>
-              </a:solidFill>
-              <a:latin typeface="Calibri Light" panose="020F0302020204030204" pitchFamily="34" charset="0"/>
-              <a:cs typeface="Calibri Light" panose="020F0302020204030204" pitchFamily="34" charset="0"/>
-            </a:endParaRPr>
+            <a:endParaRPr lang="es-ES" dirty="0"/>
           </a:p>
         </p:txBody>
       </p:sp>
@@ -18347,7 +20031,7 @@
         </p:blipFill>
         <p:spPr>
           <a:xfrm>
-            <a:off x="2296177" y="4841939"/>
+            <a:off x="2406445" y="4832797"/>
             <a:ext cx="1706115" cy="1706115"/>
           </a:xfrm>
           <a:prstGeom prst="rect">
@@ -18377,7 +20061,7 @@
         </p:blipFill>
         <p:spPr>
           <a:xfrm>
-            <a:off x="4005822" y="5458839"/>
+            <a:off x="4112560" y="5425611"/>
             <a:ext cx="1376231" cy="726081"/>
           </a:xfrm>
           <a:prstGeom prst="rect">
@@ -18415,6 +20099,34 @@
           </a:prstGeom>
         </p:spPr>
       </p:pic>
+      <p:sp>
+        <p:nvSpPr>
+          <p:cNvPr id="10" name="Marcador de número de diapositiva 9"/>
+          <p:cNvSpPr>
+            <a:spLocks noGrp="1"/>
+          </p:cNvSpPr>
+          <p:nvPr>
+            <p:ph type="sldNum" sz="quarter" idx="15"/>
+          </p:nvPr>
+        </p:nvSpPr>
+        <p:spPr/>
+        <p:txBody>
+          <a:bodyPr/>
+          <a:lstStyle/>
+          <a:p>
+            <a:pPr rtl="0"/>
+            <a:fld id="{8699F50C-BE38-4BD0-BA84-9B090E1F2B9B}" type="slidenum">
+              <a:rPr lang="es-ES" noProof="0" smtClean="0"/>
+              <a:t>9</a:t>
+            </a:fld>
+            <a:r>
+              <a:rPr lang="es-ES" noProof="0" dirty="0" smtClean="0"/>
+              <a:t>/14</a:t>
+            </a:r>
+            <a:endParaRPr lang="es-ES" noProof="0" dirty="0"/>
+          </a:p>
+        </p:txBody>
+      </p:sp>
     </p:spTree>
     <p:extLst>
       <p:ext uri="{BB962C8B-B14F-4D97-AF65-F5344CB8AC3E}">
@@ -18425,6 +20137,13 @@
   <p:clrMapOvr>
     <a:masterClrMapping/>
   </p:clrMapOvr>
+  <p:timing>
+    <p:tnLst>
+      <p:par>
+        <p:cTn id="1" dur="indefinite" restart="never" nodeType="tmRoot"/>
+      </p:par>
+    </p:tnLst>
+  </p:timing>
 </p:sld>
 </file>
 
